--- a/Module 2/Credit One.pptx
+++ b/Module 2/Credit One.pptx
@@ -8,6 +8,9 @@
     <p:sldId id="256" r:id="rId2"/>
     <p:sldId id="257" r:id="rId3"/>
     <p:sldId id="258" r:id="rId4"/>
+    <p:sldId id="259" r:id="rId5"/>
+    <p:sldId id="260" r:id="rId6"/>
+    <p:sldId id="261" r:id="rId7"/>
   </p:sldIdLst>
   <p:sldSz cx="9144000" cy="6858000" type="screen4x3"/>
   <p:notesSz cx="6858000" cy="9144000"/>
@@ -290,7 +293,7 @@
           <a:p>
             <a:fld id="{CCF68801-CE3A-4FCF-AD17-603777A87E75}" type="datetimeFigureOut">
               <a:rPr lang="en-GB" smtClean="0"/>
-              <a:t>27/09/2021</a:t>
+              <a:t>28/09/2021</a:t>
             </a:fld>
             <a:endParaRPr lang="en-GB"/>
           </a:p>
@@ -460,7 +463,7 @@
           <a:p>
             <a:fld id="{CCF68801-CE3A-4FCF-AD17-603777A87E75}" type="datetimeFigureOut">
               <a:rPr lang="en-GB" smtClean="0"/>
-              <a:t>27/09/2021</a:t>
+              <a:t>28/09/2021</a:t>
             </a:fld>
             <a:endParaRPr lang="en-GB"/>
           </a:p>
@@ -640,7 +643,7 @@
           <a:p>
             <a:fld id="{CCF68801-CE3A-4FCF-AD17-603777A87E75}" type="datetimeFigureOut">
               <a:rPr lang="en-GB" smtClean="0"/>
-              <a:t>27/09/2021</a:t>
+              <a:t>28/09/2021</a:t>
             </a:fld>
             <a:endParaRPr lang="en-GB"/>
           </a:p>
@@ -810,7 +813,7 @@
           <a:p>
             <a:fld id="{CCF68801-CE3A-4FCF-AD17-603777A87E75}" type="datetimeFigureOut">
               <a:rPr lang="en-GB" smtClean="0"/>
-              <a:t>27/09/2021</a:t>
+              <a:t>28/09/2021</a:t>
             </a:fld>
             <a:endParaRPr lang="en-GB"/>
           </a:p>
@@ -1056,7 +1059,7 @@
           <a:p>
             <a:fld id="{CCF68801-CE3A-4FCF-AD17-603777A87E75}" type="datetimeFigureOut">
               <a:rPr lang="en-GB" smtClean="0"/>
-              <a:t>27/09/2021</a:t>
+              <a:t>28/09/2021</a:t>
             </a:fld>
             <a:endParaRPr lang="en-GB"/>
           </a:p>
@@ -1344,7 +1347,7 @@
           <a:p>
             <a:fld id="{CCF68801-CE3A-4FCF-AD17-603777A87E75}" type="datetimeFigureOut">
               <a:rPr lang="en-GB" smtClean="0"/>
-              <a:t>27/09/2021</a:t>
+              <a:t>28/09/2021</a:t>
             </a:fld>
             <a:endParaRPr lang="en-GB"/>
           </a:p>
@@ -1766,7 +1769,7 @@
           <a:p>
             <a:fld id="{CCF68801-CE3A-4FCF-AD17-603777A87E75}" type="datetimeFigureOut">
               <a:rPr lang="en-GB" smtClean="0"/>
-              <a:t>27/09/2021</a:t>
+              <a:t>28/09/2021</a:t>
             </a:fld>
             <a:endParaRPr lang="en-GB"/>
           </a:p>
@@ -1884,7 +1887,7 @@
           <a:p>
             <a:fld id="{CCF68801-CE3A-4FCF-AD17-603777A87E75}" type="datetimeFigureOut">
               <a:rPr lang="en-GB" smtClean="0"/>
-              <a:t>27/09/2021</a:t>
+              <a:t>28/09/2021</a:t>
             </a:fld>
             <a:endParaRPr lang="en-GB"/>
           </a:p>
@@ -1979,7 +1982,7 @@
           <a:p>
             <a:fld id="{CCF68801-CE3A-4FCF-AD17-603777A87E75}" type="datetimeFigureOut">
               <a:rPr lang="en-GB" smtClean="0"/>
-              <a:t>27/09/2021</a:t>
+              <a:t>28/09/2021</a:t>
             </a:fld>
             <a:endParaRPr lang="en-GB"/>
           </a:p>
@@ -2256,7 +2259,7 @@
           <a:p>
             <a:fld id="{CCF68801-CE3A-4FCF-AD17-603777A87E75}" type="datetimeFigureOut">
               <a:rPr lang="en-GB" smtClean="0"/>
-              <a:t>27/09/2021</a:t>
+              <a:t>28/09/2021</a:t>
             </a:fld>
             <a:endParaRPr lang="en-GB"/>
           </a:p>
@@ -2509,7 +2512,7 @@
           <a:p>
             <a:fld id="{CCF68801-CE3A-4FCF-AD17-603777A87E75}" type="datetimeFigureOut">
               <a:rPr lang="en-GB" smtClean="0"/>
-              <a:t>27/09/2021</a:t>
+              <a:t>28/09/2021</a:t>
             </a:fld>
             <a:endParaRPr lang="en-GB"/>
           </a:p>
@@ -2722,7 +2725,7 @@
           <a:p>
             <a:fld id="{CCF68801-CE3A-4FCF-AD17-603777A87E75}" type="datetimeFigureOut">
               <a:rPr lang="en-GB" smtClean="0"/>
-              <a:t>27/09/2021</a:t>
+              <a:t>28/09/2021</a:t>
             </a:fld>
             <a:endParaRPr lang="en-GB"/>
           </a:p>
@@ -3097,6 +3100,71 @@
           <a:chExt cx="0" cy="0"/>
         </a:xfrm>
       </p:grpSpPr>
+      <p:pic>
+        <p:nvPicPr>
+          <p:cNvPr id="3074" name="Picture 2"/>
+          <p:cNvPicPr>
+            <a:picLocks noChangeAspect="1" noChangeArrowheads="1"/>
+          </p:cNvPicPr>
+          <p:nvPr/>
+        </p:nvPicPr>
+        <p:blipFill>
+          <a:blip r:embed="rId2">
+            <a:lum bright="70000" contrast="-70000"/>
+            <a:extLst>
+              <a:ext uri="{28A0092B-C50C-407E-A947-70E740481C1C}">
+                <a14:useLocalDpi xmlns:a14="http://schemas.microsoft.com/office/drawing/2010/main" val="0"/>
+              </a:ext>
+            </a:extLst>
+          </a:blip>
+          <a:srcRect/>
+          <a:stretch>
+            <a:fillRect/>
+          </a:stretch>
+        </p:blipFill>
+        <p:spPr bwMode="auto">
+          <a:xfrm>
+            <a:off x="-4796432" y="-891480"/>
+            <a:ext cx="18586216" cy="8640960"/>
+          </a:xfrm>
+          <a:prstGeom prst="rect">
+            <a:avLst/>
+          </a:prstGeom>
+          <a:noFill/>
+          <a:ln>
+            <a:noFill/>
+          </a:ln>
+          <a:effectLst/>
+          <a:extLst>
+            <a:ext uri="{909E8E84-426E-40DD-AFC4-6F175D3DCCD1}">
+              <a14:hiddenFill xmlns:a14="http://schemas.microsoft.com/office/drawing/2010/main">
+                <a:solidFill>
+                  <a:schemeClr val="accent1"/>
+                </a:solidFill>
+              </a14:hiddenFill>
+            </a:ext>
+            <a:ext uri="{91240B29-F687-4F45-9708-019B960494DF}">
+              <a14:hiddenLine xmlns:a14="http://schemas.microsoft.com/office/drawing/2010/main" w="9525">
+                <a:solidFill>
+                  <a:schemeClr val="tx1"/>
+                </a:solidFill>
+                <a:miter lim="800000"/>
+                <a:headEnd/>
+                <a:tailEnd/>
+              </a14:hiddenLine>
+            </a:ext>
+            <a:ext uri="{AF507438-7753-43E0-B8FC-AC1667EBCBE1}">
+              <a14:hiddenEffects xmlns:a14="http://schemas.microsoft.com/office/drawing/2010/main">
+                <a:effectLst>
+                  <a:outerShdw dist="35921" dir="2700000" algn="ctr" rotWithShape="0">
+                    <a:schemeClr val="bg2"/>
+                  </a:outerShdw>
+                </a:effectLst>
+              </a14:hiddenEffects>
+            </a:ext>
+          </a:extLst>
+        </p:spPr>
+      </p:pic>
       <p:sp>
         <p:nvSpPr>
           <p:cNvPr id="2" name="Tytuł 1"/>
@@ -3163,18 +3231,27 @@
             <a:pPr algn="l"/>
             <a:r>
               <a:rPr lang="pl-PL" dirty="0" smtClean="0">
+                <a:solidFill>
+                  <a:srgbClr val="002060"/>
+                </a:solidFill>
                 <a:latin typeface="Bahnschrift SemiCondensed" panose="020B0502040204020203" pitchFamily="34" charset="0"/>
               </a:rPr>
               <a:t>Data Science </a:t>
             </a:r>
             <a:r>
               <a:rPr lang="pl-PL" dirty="0" err="1" smtClean="0">
+                <a:solidFill>
+                  <a:srgbClr val="002060"/>
+                </a:solidFill>
                 <a:latin typeface="Bahnschrift SemiCondensed" panose="020B0502040204020203" pitchFamily="34" charset="0"/>
               </a:rPr>
               <a:t>Process</a:t>
             </a:r>
             <a:r>
               <a:rPr lang="pl-PL" dirty="0" smtClean="0">
+                <a:solidFill>
+                  <a:srgbClr val="002060"/>
+                </a:solidFill>
                 <a:latin typeface="Bahnschrift SemiCondensed" panose="020B0502040204020203" pitchFamily="34" charset="0"/>
               </a:rPr>
               <a:t> Report</a:t>
@@ -3184,47 +3261,71 @@
             <a:pPr algn="l"/>
             <a:r>
               <a:rPr lang="pl-PL" dirty="0" err="1" smtClean="0">
+                <a:solidFill>
+                  <a:srgbClr val="002060"/>
+                </a:solidFill>
                 <a:latin typeface="Bahnschrift SemiCondensed" panose="020B0502040204020203" pitchFamily="34" charset="0"/>
               </a:rPr>
               <a:t>Predicting</a:t>
             </a:r>
             <a:r>
               <a:rPr lang="pl-PL" dirty="0" smtClean="0">
+                <a:solidFill>
+                  <a:srgbClr val="002060"/>
+                </a:solidFill>
                 <a:latin typeface="Bahnschrift SemiCondensed" panose="020B0502040204020203" pitchFamily="34" charset="0"/>
               </a:rPr>
               <a:t> the </a:t>
             </a:r>
             <a:r>
               <a:rPr lang="pl-PL" dirty="0" err="1" smtClean="0">
+                <a:solidFill>
+                  <a:srgbClr val="002060"/>
+                </a:solidFill>
                 <a:latin typeface="Bahnschrift SemiCondensed" panose="020B0502040204020203" pitchFamily="34" charset="0"/>
               </a:rPr>
               <a:t>probability</a:t>
             </a:r>
             <a:r>
               <a:rPr lang="pl-PL" dirty="0" smtClean="0">
+                <a:solidFill>
+                  <a:srgbClr val="002060"/>
+                </a:solidFill>
                 <a:latin typeface="Bahnschrift SemiCondensed" panose="020B0502040204020203" pitchFamily="34" charset="0"/>
               </a:rPr>
               <a:t> of </a:t>
             </a:r>
             <a:r>
               <a:rPr lang="pl-PL" dirty="0" err="1" smtClean="0">
+                <a:solidFill>
+                  <a:srgbClr val="002060"/>
+                </a:solidFill>
                 <a:latin typeface="Bahnschrift SemiCondensed" panose="020B0502040204020203" pitchFamily="34" charset="0"/>
               </a:rPr>
               <a:t>default</a:t>
             </a:r>
             <a:endParaRPr lang="pl-PL" dirty="0" smtClean="0">
+              <a:solidFill>
+                <a:srgbClr val="002060"/>
+              </a:solidFill>
               <a:latin typeface="Bahnschrift SemiCondensed" panose="020B0502040204020203" pitchFamily="34" charset="0"/>
             </a:endParaRPr>
           </a:p>
           <a:p>
             <a:pPr algn="l"/>
             <a:endParaRPr lang="pl-PL" sz="2000" dirty="0" smtClean="0">
+              <a:solidFill>
+                <a:srgbClr val="002060"/>
+              </a:solidFill>
               <a:latin typeface="Bahnschrift SemiCondensed" panose="020B0502040204020203" pitchFamily="34" charset="0"/>
             </a:endParaRPr>
           </a:p>
           <a:p>
             <a:pPr algn="l"/>
             <a:endParaRPr lang="pl-PL" sz="2000" dirty="0" smtClean="0">
+              <a:solidFill>
+                <a:srgbClr val="002060"/>
+              </a:solidFill>
               <a:latin typeface="Bahnschrift SemiCondensed" panose="020B0502040204020203" pitchFamily="34" charset="0"/>
             </a:endParaRPr>
           </a:p>
@@ -3232,23 +3333,35 @@
             <a:pPr algn="l"/>
             <a:r>
               <a:rPr lang="pl-PL" sz="2400" dirty="0" err="1" smtClean="0">
+                <a:solidFill>
+                  <a:srgbClr val="002060"/>
+                </a:solidFill>
                 <a:latin typeface="Bahnschrift Light Condensed" panose="020B0502040204020203" pitchFamily="34" charset="0"/>
               </a:rPr>
               <a:t>Presented</a:t>
             </a:r>
             <a:r>
               <a:rPr lang="pl-PL" sz="2400" dirty="0" smtClean="0">
+                <a:solidFill>
+                  <a:srgbClr val="002060"/>
+                </a:solidFill>
                 <a:latin typeface="Bahnschrift Light Condensed" panose="020B0502040204020203" pitchFamily="34" charset="0"/>
               </a:rPr>
               <a:t> by Magdalena </a:t>
             </a:r>
             <a:r>
               <a:rPr lang="pl-PL" sz="2400" dirty="0" err="1" smtClean="0">
+                <a:solidFill>
+                  <a:srgbClr val="002060"/>
+                </a:solidFill>
                 <a:latin typeface="Bahnschrift Light Condensed" panose="020B0502040204020203" pitchFamily="34" charset="0"/>
               </a:rPr>
               <a:t>Kobusinska</a:t>
             </a:r>
             <a:endParaRPr lang="pl-PL" sz="2400" dirty="0">
+              <a:solidFill>
+                <a:srgbClr val="002060"/>
+              </a:solidFill>
               <a:latin typeface="Bahnschrift Light Condensed" panose="020B0502040204020203" pitchFamily="34" charset="0"/>
             </a:endParaRPr>
           </a:p>
@@ -3284,6 +3397,71 @@
           <a:chExt cx="0" cy="0"/>
         </a:xfrm>
       </p:grpSpPr>
+      <p:pic>
+        <p:nvPicPr>
+          <p:cNvPr id="4098" name="Picture 2"/>
+          <p:cNvPicPr>
+            <a:picLocks noChangeAspect="1" noChangeArrowheads="1"/>
+          </p:cNvPicPr>
+          <p:nvPr/>
+        </p:nvPicPr>
+        <p:blipFill>
+          <a:blip r:embed="rId2">
+            <a:lum bright="70000" contrast="-70000"/>
+            <a:extLst>
+              <a:ext uri="{28A0092B-C50C-407E-A947-70E740481C1C}">
+                <a14:useLocalDpi xmlns:a14="http://schemas.microsoft.com/office/drawing/2010/main" val="0"/>
+              </a:ext>
+            </a:extLst>
+          </a:blip>
+          <a:srcRect/>
+          <a:stretch>
+            <a:fillRect/>
+          </a:stretch>
+        </p:blipFill>
+        <p:spPr bwMode="auto">
+          <a:xfrm>
+            <a:off x="-612576" y="-8632"/>
+            <a:ext cx="10557048" cy="7038032"/>
+          </a:xfrm>
+          <a:prstGeom prst="rect">
+            <a:avLst/>
+          </a:prstGeom>
+          <a:noFill/>
+          <a:ln>
+            <a:noFill/>
+          </a:ln>
+          <a:effectLst/>
+          <a:extLst>
+            <a:ext uri="{909E8E84-426E-40DD-AFC4-6F175D3DCCD1}">
+              <a14:hiddenFill xmlns:a14="http://schemas.microsoft.com/office/drawing/2010/main">
+                <a:solidFill>
+                  <a:schemeClr val="accent1"/>
+                </a:solidFill>
+              </a14:hiddenFill>
+            </a:ext>
+            <a:ext uri="{91240B29-F687-4F45-9708-019B960494DF}">
+              <a14:hiddenLine xmlns:a14="http://schemas.microsoft.com/office/drawing/2010/main" w="9525">
+                <a:solidFill>
+                  <a:schemeClr val="tx1"/>
+                </a:solidFill>
+                <a:miter lim="800000"/>
+                <a:headEnd/>
+                <a:tailEnd/>
+              </a14:hiddenLine>
+            </a:ext>
+            <a:ext uri="{AF507438-7753-43E0-B8FC-AC1667EBCBE1}">
+              <a14:hiddenEffects xmlns:a14="http://schemas.microsoft.com/office/drawing/2010/main">
+                <a:effectLst>
+                  <a:outerShdw dist="35921" dir="2700000" algn="ctr" rotWithShape="0">
+                    <a:schemeClr val="bg2"/>
+                  </a:outerShdw>
+                </a:effectLst>
+              </a14:hiddenEffects>
+            </a:ext>
+          </a:extLst>
+        </p:spPr>
+      </p:pic>
       <p:sp>
         <p:nvSpPr>
           <p:cNvPr id="4" name="pole tekstowe 3"/>
@@ -3333,7 +3511,7 @@
         </p:nvSpPr>
         <p:spPr>
           <a:xfrm>
-            <a:off x="827584" y="1844824"/>
+            <a:off x="804640" y="2492896"/>
             <a:ext cx="5544616" cy="3785652"/>
           </a:xfrm>
           <a:prstGeom prst="rect">
@@ -3454,6 +3632,208 @@
             </a:r>
             <a:endParaRPr lang="en-GB" sz="2400" dirty="0">
               <a:latin typeface="Bahnschrift Light" panose="020B0502040204020203" pitchFamily="34" charset="0"/>
+            </a:endParaRPr>
+          </a:p>
+        </p:txBody>
+      </p:sp>
+      <p:sp>
+        <p:nvSpPr>
+          <p:cNvPr id="2" name="pole tekstowe 1"/>
+          <p:cNvSpPr txBox="1"/>
+          <p:nvPr/>
+        </p:nvSpPr>
+        <p:spPr>
+          <a:xfrm>
+            <a:off x="804640" y="1588215"/>
+            <a:ext cx="8087840" cy="646331"/>
+          </a:xfrm>
+          <a:prstGeom prst="rect">
+            <a:avLst/>
+          </a:prstGeom>
+          <a:noFill/>
+        </p:spPr>
+        <p:txBody>
+          <a:bodyPr wrap="square" rtlCol="0">
+            <a:spAutoFit/>
+          </a:bodyPr>
+          <a:lstStyle/>
+          <a:p>
+            <a:r>
+              <a:rPr lang="pl-PL" dirty="0" smtClean="0">
+                <a:latin typeface="Bahnschrift Light SemiCondensed" panose="020B0502040204020203" pitchFamily="34" charset="0"/>
+              </a:rPr>
+              <a:t>The </a:t>
+            </a:r>
+            <a:r>
+              <a:rPr lang="pl-PL" dirty="0" err="1" smtClean="0">
+                <a:latin typeface="Bahnschrift Light SemiCondensed" panose="020B0502040204020203" pitchFamily="34" charset="0"/>
+              </a:rPr>
+              <a:t>put</a:t>
+            </a:r>
+            <a:r>
+              <a:rPr lang="pl-PL" dirty="0" smtClean="0">
+                <a:latin typeface="Bahnschrift Light SemiCondensed" panose="020B0502040204020203" pitchFamily="34" charset="0"/>
+              </a:rPr>
+              <a:t> </a:t>
+            </a:r>
+            <a:r>
+              <a:rPr lang="pl-PL" dirty="0" err="1" smtClean="0">
+                <a:latin typeface="Bahnschrift Light SemiCondensed" panose="020B0502040204020203" pitchFamily="34" charset="0"/>
+              </a:rPr>
+              <a:t>forth</a:t>
+            </a:r>
+            <a:r>
+              <a:rPr lang="pl-PL" dirty="0" smtClean="0">
+                <a:latin typeface="Bahnschrift Light SemiCondensed" panose="020B0502040204020203" pitchFamily="34" charset="0"/>
+              </a:rPr>
+              <a:t> data science </a:t>
+            </a:r>
+            <a:r>
+              <a:rPr lang="pl-PL" dirty="0" err="1" smtClean="0">
+                <a:latin typeface="Bahnschrift Light SemiCondensed" panose="020B0502040204020203" pitchFamily="34" charset="0"/>
+              </a:rPr>
+              <a:t>process</a:t>
+            </a:r>
+            <a:r>
+              <a:rPr lang="pl-PL" dirty="0" smtClean="0">
+                <a:latin typeface="Bahnschrift Light SemiCondensed" panose="020B0502040204020203" pitchFamily="34" charset="0"/>
+              </a:rPr>
+              <a:t> – </a:t>
+            </a:r>
+            <a:r>
+              <a:rPr lang="pl-PL" b="1" dirty="0" smtClean="0">
+                <a:latin typeface="Bahnschrift Light SemiCondensed" panose="020B0502040204020203" pitchFamily="34" charset="0"/>
+              </a:rPr>
+              <a:t>BADIR</a:t>
+            </a:r>
+            <a:r>
+              <a:rPr lang="pl-PL" dirty="0" smtClean="0">
+                <a:latin typeface="Bahnschrift Light SemiCondensed" panose="020B0502040204020203" pitchFamily="34" charset="0"/>
+              </a:rPr>
+              <a:t> - </a:t>
+            </a:r>
+            <a:r>
+              <a:rPr lang="pl-PL" dirty="0" err="1" smtClean="0">
+                <a:latin typeface="Bahnschrift Light SemiCondensed" panose="020B0502040204020203" pitchFamily="34" charset="0"/>
+              </a:rPr>
+              <a:t>is</a:t>
+            </a:r>
+            <a:r>
+              <a:rPr lang="pl-PL" dirty="0" smtClean="0">
+                <a:latin typeface="Bahnschrift Light SemiCondensed" panose="020B0502040204020203" pitchFamily="34" charset="0"/>
+              </a:rPr>
+              <a:t> </a:t>
+            </a:r>
+            <a:r>
+              <a:rPr lang="pl-PL" dirty="0" err="1" smtClean="0">
+                <a:latin typeface="Bahnschrift Light SemiCondensed" panose="020B0502040204020203" pitchFamily="34" charset="0"/>
+              </a:rPr>
+              <a:t>focused</a:t>
+            </a:r>
+            <a:r>
+              <a:rPr lang="pl-PL" dirty="0" smtClean="0">
+                <a:latin typeface="Bahnschrift Light SemiCondensed" panose="020B0502040204020203" pitchFamily="34" charset="0"/>
+              </a:rPr>
+              <a:t> on </a:t>
+            </a:r>
+            <a:r>
+              <a:rPr lang="pl-PL" b="1" dirty="0" err="1" smtClean="0">
+                <a:latin typeface="Bahnschrift Light SemiCondensed" panose="020B0502040204020203" pitchFamily="34" charset="0"/>
+              </a:rPr>
+              <a:t>understanding</a:t>
+            </a:r>
+            <a:r>
+              <a:rPr lang="pl-PL" dirty="0" smtClean="0">
+                <a:latin typeface="Bahnschrift Light SemiCondensed" panose="020B0502040204020203" pitchFamily="34" charset="0"/>
+              </a:rPr>
+              <a:t> the business, </a:t>
+            </a:r>
+            <a:r>
+              <a:rPr lang="pl-PL" dirty="0" err="1" smtClean="0">
+                <a:latin typeface="Bahnschrift Light SemiCondensed" panose="020B0502040204020203" pitchFamily="34" charset="0"/>
+              </a:rPr>
+              <a:t>needs</a:t>
+            </a:r>
+            <a:r>
+              <a:rPr lang="pl-PL" dirty="0" smtClean="0">
+                <a:latin typeface="Bahnschrift Light SemiCondensed" panose="020B0502040204020203" pitchFamily="34" charset="0"/>
+              </a:rPr>
+              <a:t> and </a:t>
+            </a:r>
+            <a:r>
+              <a:rPr lang="pl-PL" dirty="0" err="1" smtClean="0">
+                <a:latin typeface="Bahnschrift Light SemiCondensed" panose="020B0502040204020203" pitchFamily="34" charset="0"/>
+              </a:rPr>
+              <a:t>objectives</a:t>
+            </a:r>
+            <a:r>
+              <a:rPr lang="pl-PL" dirty="0" smtClean="0">
+                <a:latin typeface="Bahnschrift Light SemiCondensed" panose="020B0502040204020203" pitchFamily="34" charset="0"/>
+              </a:rPr>
+              <a:t>, as </a:t>
+            </a:r>
+            <a:r>
+              <a:rPr lang="pl-PL" dirty="0" err="1" smtClean="0">
+                <a:latin typeface="Bahnschrift Light SemiCondensed" panose="020B0502040204020203" pitchFamily="34" charset="0"/>
+              </a:rPr>
+              <a:t>well</a:t>
+            </a:r>
+            <a:r>
+              <a:rPr lang="pl-PL" dirty="0" smtClean="0">
+                <a:latin typeface="Bahnschrift Light SemiCondensed" panose="020B0502040204020203" pitchFamily="34" charset="0"/>
+              </a:rPr>
+              <a:t> as </a:t>
+            </a:r>
+            <a:r>
+              <a:rPr lang="pl-PL" b="1" dirty="0" err="1" smtClean="0">
+                <a:latin typeface="Bahnschrift Light SemiCondensed" panose="020B0502040204020203" pitchFamily="34" charset="0"/>
+              </a:rPr>
+              <a:t>defining</a:t>
+            </a:r>
+            <a:r>
+              <a:rPr lang="pl-PL" dirty="0" smtClean="0">
+                <a:latin typeface="Bahnschrift Light SemiCondensed" panose="020B0502040204020203" pitchFamily="34" charset="0"/>
+              </a:rPr>
+              <a:t> the </a:t>
+            </a:r>
+            <a:r>
+              <a:rPr lang="pl-PL" dirty="0" err="1" smtClean="0">
+                <a:latin typeface="Bahnschrift Light SemiCondensed" panose="020B0502040204020203" pitchFamily="34" charset="0"/>
+              </a:rPr>
+              <a:t>milestones</a:t>
+            </a:r>
+            <a:r>
+              <a:rPr lang="pl-PL" dirty="0" smtClean="0">
+                <a:latin typeface="Bahnschrift Light SemiCondensed" panose="020B0502040204020203" pitchFamily="34" charset="0"/>
+              </a:rPr>
+              <a:t> and </a:t>
+            </a:r>
+            <a:r>
+              <a:rPr lang="pl-PL" dirty="0" err="1" smtClean="0">
+                <a:latin typeface="Bahnschrift Light SemiCondensed" panose="020B0502040204020203" pitchFamily="34" charset="0"/>
+              </a:rPr>
+              <a:t>needed</a:t>
+            </a:r>
+            <a:r>
+              <a:rPr lang="pl-PL" dirty="0" smtClean="0">
+                <a:latin typeface="Bahnschrift Light SemiCondensed" panose="020B0502040204020203" pitchFamily="34" charset="0"/>
+              </a:rPr>
+              <a:t> </a:t>
+            </a:r>
+            <a:r>
+              <a:rPr lang="pl-PL" b="1" dirty="0" err="1" smtClean="0">
+                <a:latin typeface="Bahnschrift Light SemiCondensed" panose="020B0502040204020203" pitchFamily="34" charset="0"/>
+              </a:rPr>
+              <a:t>analysis</a:t>
+            </a:r>
+            <a:r>
+              <a:rPr lang="pl-PL" dirty="0" smtClean="0">
+                <a:latin typeface="Bahnschrift Light SemiCondensed" panose="020B0502040204020203" pitchFamily="34" charset="0"/>
+              </a:rPr>
+              <a:t>.</a:t>
+            </a:r>
+            <a:endParaRPr lang="en-GB" dirty="0">
+              <a:latin typeface="Bahnschrift Light SemiCondensed" panose="020B0502040204020203" pitchFamily="34" charset="0"/>
             </a:endParaRPr>
           </a:p>
         </p:txBody>
@@ -3488,6 +3868,71 @@
           <a:chExt cx="0" cy="0"/>
         </a:xfrm>
       </p:grpSpPr>
+      <p:pic>
+        <p:nvPicPr>
+          <p:cNvPr id="5" name="Picture 2"/>
+          <p:cNvPicPr>
+            <a:picLocks noChangeAspect="1" noChangeArrowheads="1"/>
+          </p:cNvPicPr>
+          <p:nvPr/>
+        </p:nvPicPr>
+        <p:blipFill>
+          <a:blip r:embed="rId2">
+            <a:lum bright="70000" contrast="-70000"/>
+            <a:extLst>
+              <a:ext uri="{28A0092B-C50C-407E-A947-70E740481C1C}">
+                <a14:useLocalDpi xmlns:a14="http://schemas.microsoft.com/office/drawing/2010/main" val="0"/>
+              </a:ext>
+            </a:extLst>
+          </a:blip>
+          <a:srcRect/>
+          <a:stretch>
+            <a:fillRect/>
+          </a:stretch>
+        </p:blipFill>
+        <p:spPr bwMode="auto">
+          <a:xfrm>
+            <a:off x="-612576" y="-8632"/>
+            <a:ext cx="10557048" cy="7038032"/>
+          </a:xfrm>
+          <a:prstGeom prst="rect">
+            <a:avLst/>
+          </a:prstGeom>
+          <a:noFill/>
+          <a:ln>
+            <a:noFill/>
+          </a:ln>
+          <a:effectLst/>
+          <a:extLst>
+            <a:ext uri="{909E8E84-426E-40DD-AFC4-6F175D3DCCD1}">
+              <a14:hiddenFill xmlns:a14="http://schemas.microsoft.com/office/drawing/2010/main">
+                <a:solidFill>
+                  <a:schemeClr val="accent1"/>
+                </a:solidFill>
+              </a14:hiddenFill>
+            </a:ext>
+            <a:ext uri="{91240B29-F687-4F45-9708-019B960494DF}">
+              <a14:hiddenLine xmlns:a14="http://schemas.microsoft.com/office/drawing/2010/main" w="9525">
+                <a:solidFill>
+                  <a:schemeClr val="tx1"/>
+                </a:solidFill>
+                <a:miter lim="800000"/>
+                <a:headEnd/>
+                <a:tailEnd/>
+              </a14:hiddenLine>
+            </a:ext>
+            <a:ext uri="{AF507438-7753-43E0-B8FC-AC1667EBCBE1}">
+              <a14:hiddenEffects xmlns:a14="http://schemas.microsoft.com/office/drawing/2010/main">
+                <a:effectLst>
+                  <a:outerShdw dist="35921" dir="2700000" algn="ctr" rotWithShape="0">
+                    <a:schemeClr val="bg2"/>
+                  </a:outerShdw>
+                </a:effectLst>
+              </a14:hiddenEffects>
+            </a:ext>
+          </a:extLst>
+        </p:spPr>
+      </p:pic>
       <p:sp>
         <p:nvSpPr>
           <p:cNvPr id="4" name="pole tekstowe 3"/>
@@ -3538,7 +3983,7 @@
         <p:spPr>
           <a:xfrm>
             <a:off x="683568" y="2204864"/>
-            <a:ext cx="7632848" cy="2554545"/>
+            <a:ext cx="7632848" cy="3416320"/>
           </a:xfrm>
           <a:prstGeom prst="rect">
             <a:avLst/>
@@ -3556,98 +4001,98 @@
               <a:buChar char="•"/>
             </a:pPr>
             <a:r>
-              <a:rPr lang="pl-PL" sz="2000" dirty="0" err="1" smtClean="0">
-                <a:latin typeface="Bahnschrift Light" panose="020B0502040204020203" pitchFamily="34" charset="0"/>
+              <a:rPr lang="pl-PL" sz="2400" dirty="0" err="1" smtClean="0">
+                <a:latin typeface="Bahnschrift SemiLight SemiConde" panose="020B0502040204020203" pitchFamily="34" charset="0"/>
               </a:rPr>
               <a:t>What</a:t>
             </a:r>
             <a:r>
-              <a:rPr lang="pl-PL" sz="2000" dirty="0" smtClean="0">
-                <a:latin typeface="Bahnschrift Light" panose="020B0502040204020203" pitchFamily="34" charset="0"/>
+              <a:rPr lang="pl-PL" sz="2400" dirty="0" smtClean="0">
+                <a:latin typeface="Bahnschrift SemiLight SemiConde" panose="020B0502040204020203" pitchFamily="34" charset="0"/>
               </a:rPr>
               <a:t> </a:t>
             </a:r>
             <a:r>
-              <a:rPr lang="pl-PL" sz="2000" dirty="0" err="1" smtClean="0">
-                <a:latin typeface="Bahnschrift Light" panose="020B0502040204020203" pitchFamily="34" charset="0"/>
+              <a:rPr lang="pl-PL" sz="2400" dirty="0" err="1" smtClean="0">
+                <a:latin typeface="Bahnschrift SemiLight SemiConde" panose="020B0502040204020203" pitchFamily="34" charset="0"/>
               </a:rPr>
               <a:t>are</a:t>
             </a:r>
             <a:r>
-              <a:rPr lang="pl-PL" sz="2000" dirty="0" smtClean="0">
-                <a:latin typeface="Bahnschrift Light" panose="020B0502040204020203" pitchFamily="34" charset="0"/>
+              <a:rPr lang="pl-PL" sz="2400" dirty="0" smtClean="0">
+                <a:latin typeface="Bahnschrift SemiLight SemiConde" panose="020B0502040204020203" pitchFamily="34" charset="0"/>
               </a:rPr>
               <a:t> the </a:t>
             </a:r>
             <a:r>
-              <a:rPr lang="pl-PL" sz="2000" dirty="0" err="1" smtClean="0">
-                <a:latin typeface="Bahnschrift Light" panose="020B0502040204020203" pitchFamily="34" charset="0"/>
+              <a:rPr lang="pl-PL" sz="2400" dirty="0" err="1" smtClean="0">
+                <a:latin typeface="Bahnschrift SemiLight SemiConde" panose="020B0502040204020203" pitchFamily="34" charset="0"/>
               </a:rPr>
               <a:t>key</a:t>
             </a:r>
             <a:r>
-              <a:rPr lang="pl-PL" sz="2000" dirty="0" smtClean="0">
-                <a:latin typeface="Bahnschrift Light" panose="020B0502040204020203" pitchFamily="34" charset="0"/>
+              <a:rPr lang="pl-PL" sz="2400" dirty="0" smtClean="0">
+                <a:latin typeface="Bahnschrift SemiLight SemiConde" panose="020B0502040204020203" pitchFamily="34" charset="0"/>
               </a:rPr>
               <a:t> </a:t>
             </a:r>
             <a:r>
-              <a:rPr lang="pl-PL" sz="2000" dirty="0" err="1" smtClean="0">
-                <a:latin typeface="Bahnschrift Light" panose="020B0502040204020203" pitchFamily="34" charset="0"/>
+              <a:rPr lang="pl-PL" sz="2400" dirty="0" err="1" smtClean="0">
+                <a:latin typeface="Bahnschrift SemiLight SemiConde" panose="020B0502040204020203" pitchFamily="34" charset="0"/>
               </a:rPr>
               <a:t>factors</a:t>
             </a:r>
             <a:r>
-              <a:rPr lang="pl-PL" sz="2000" dirty="0" smtClean="0">
-                <a:latin typeface="Bahnschrift Light" panose="020B0502040204020203" pitchFamily="34" charset="0"/>
+              <a:rPr lang="pl-PL" sz="2400" dirty="0" smtClean="0">
+                <a:latin typeface="Bahnschrift SemiLight SemiConde" panose="020B0502040204020203" pitchFamily="34" charset="0"/>
               </a:rPr>
               <a:t> to </a:t>
             </a:r>
             <a:r>
-              <a:rPr lang="pl-PL" sz="2000" dirty="0" err="1" smtClean="0">
-                <a:latin typeface="Bahnschrift Light" panose="020B0502040204020203" pitchFamily="34" charset="0"/>
+              <a:rPr lang="pl-PL" sz="2400" dirty="0" err="1" smtClean="0">
+                <a:latin typeface="Bahnschrift SemiLight SemiConde" panose="020B0502040204020203" pitchFamily="34" charset="0"/>
               </a:rPr>
               <a:t>decide</a:t>
             </a:r>
             <a:r>
-              <a:rPr lang="pl-PL" sz="2000" dirty="0" smtClean="0">
-                <a:latin typeface="Bahnschrift Light" panose="020B0502040204020203" pitchFamily="34" charset="0"/>
+              <a:rPr lang="pl-PL" sz="2400" dirty="0" smtClean="0">
+                <a:latin typeface="Bahnschrift SemiLight SemiConde" panose="020B0502040204020203" pitchFamily="34" charset="0"/>
               </a:rPr>
               <a:t> </a:t>
             </a:r>
             <a:r>
-              <a:rPr lang="pl-PL" sz="2000" dirty="0" err="1" smtClean="0">
-                <a:latin typeface="Bahnschrift Light" panose="020B0502040204020203" pitchFamily="34" charset="0"/>
+              <a:rPr lang="pl-PL" sz="2400" dirty="0" err="1" smtClean="0">
+                <a:latin typeface="Bahnschrift SemiLight SemiConde" panose="020B0502040204020203" pitchFamily="34" charset="0"/>
               </a:rPr>
               <a:t>one’s</a:t>
             </a:r>
             <a:r>
-              <a:rPr lang="pl-PL" sz="2000" dirty="0" smtClean="0">
-                <a:latin typeface="Bahnschrift Light" panose="020B0502040204020203" pitchFamily="34" charset="0"/>
+              <a:rPr lang="pl-PL" sz="2400" dirty="0" smtClean="0">
+                <a:latin typeface="Bahnschrift SemiLight SemiConde" panose="020B0502040204020203" pitchFamily="34" charset="0"/>
               </a:rPr>
               <a:t> </a:t>
             </a:r>
             <a:r>
-              <a:rPr lang="pl-PL" sz="2000" dirty="0" err="1" smtClean="0">
-                <a:latin typeface="Bahnschrift Light" panose="020B0502040204020203" pitchFamily="34" charset="0"/>
+              <a:rPr lang="pl-PL" sz="2400" dirty="0" err="1" smtClean="0">
+                <a:latin typeface="Bahnschrift SemiLight SemiConde" panose="020B0502040204020203" pitchFamily="34" charset="0"/>
               </a:rPr>
               <a:t>probability</a:t>
             </a:r>
             <a:r>
-              <a:rPr lang="pl-PL" sz="2000" dirty="0" smtClean="0">
-                <a:latin typeface="Bahnschrift Light" panose="020B0502040204020203" pitchFamily="34" charset="0"/>
+              <a:rPr lang="pl-PL" sz="2400" dirty="0" smtClean="0">
+                <a:latin typeface="Bahnschrift SemiLight SemiConde" panose="020B0502040204020203" pitchFamily="34" charset="0"/>
               </a:rPr>
               <a:t> of </a:t>
             </a:r>
             <a:r>
-              <a:rPr lang="pl-PL" sz="2000" dirty="0" err="1" smtClean="0">
-                <a:latin typeface="Bahnschrift Light" panose="020B0502040204020203" pitchFamily="34" charset="0"/>
+              <a:rPr lang="pl-PL" sz="2400" dirty="0" err="1" smtClean="0">
+                <a:latin typeface="Bahnschrift SemiLight SemiConde" panose="020B0502040204020203" pitchFamily="34" charset="0"/>
               </a:rPr>
               <a:t>default</a:t>
             </a:r>
             <a:r>
-              <a:rPr lang="pl-PL" sz="2000" dirty="0" smtClean="0">
-                <a:latin typeface="Bahnschrift Light" panose="020B0502040204020203" pitchFamily="34" charset="0"/>
+              <a:rPr lang="pl-PL" sz="2400" dirty="0" smtClean="0">
+                <a:latin typeface="Bahnschrift SemiLight SemiConde" panose="020B0502040204020203" pitchFamily="34" charset="0"/>
               </a:rPr>
               <a:t>?</a:t>
             </a:r>
@@ -3657,8 +4102,8 @@
               <a:buFont typeface="Arial" panose="020B0604020202020204" pitchFamily="34" charset="0"/>
               <a:buChar char="•"/>
             </a:pPr>
-            <a:endParaRPr lang="pl-PL" sz="2000" dirty="0" smtClean="0">
-              <a:latin typeface="Bahnschrift Light" panose="020B0502040204020203" pitchFamily="34" charset="0"/>
+            <a:endParaRPr lang="pl-PL" sz="2400" dirty="0" smtClean="0">
+              <a:latin typeface="Bahnschrift SemiLight SemiConde" panose="020B0502040204020203" pitchFamily="34" charset="0"/>
             </a:endParaRPr>
           </a:p>
           <a:p>
@@ -3667,122 +4112,222 @@
               <a:buChar char="•"/>
             </a:pPr>
             <a:r>
-              <a:rPr lang="pl-PL" sz="2000" dirty="0" err="1" smtClean="0">
-                <a:latin typeface="Bahnschrift Light" panose="020B0502040204020203" pitchFamily="34" charset="0"/>
+              <a:rPr lang="pl-PL" sz="2400" dirty="0" err="1" smtClean="0">
+                <a:solidFill>
+                  <a:schemeClr val="tx2">
+                    <a:lumMod val="50000"/>
+                  </a:schemeClr>
+                </a:solidFill>
+                <a:latin typeface="Bahnschrift SemiLight SemiConde" panose="020B0502040204020203" pitchFamily="34" charset="0"/>
               </a:rPr>
               <a:t>What</a:t>
             </a:r>
             <a:r>
-              <a:rPr lang="pl-PL" sz="2000" dirty="0" smtClean="0">
-                <a:latin typeface="Bahnschrift Light" panose="020B0502040204020203" pitchFamily="34" charset="0"/>
+              <a:rPr lang="pl-PL" sz="2400" dirty="0" smtClean="0">
+                <a:solidFill>
+                  <a:schemeClr val="tx2">
+                    <a:lumMod val="50000"/>
+                  </a:schemeClr>
+                </a:solidFill>
+                <a:latin typeface="Bahnschrift SemiLight SemiConde" panose="020B0502040204020203" pitchFamily="34" charset="0"/>
               </a:rPr>
               <a:t> </a:t>
             </a:r>
             <a:r>
-              <a:rPr lang="pl-PL" sz="2000" dirty="0" err="1" smtClean="0">
-                <a:latin typeface="Bahnschrift Light" panose="020B0502040204020203" pitchFamily="34" charset="0"/>
+              <a:rPr lang="pl-PL" sz="2400" dirty="0" err="1" smtClean="0">
+                <a:solidFill>
+                  <a:schemeClr val="tx2">
+                    <a:lumMod val="50000"/>
+                  </a:schemeClr>
+                </a:solidFill>
+                <a:latin typeface="Bahnschrift SemiLight SemiConde" panose="020B0502040204020203" pitchFamily="34" charset="0"/>
               </a:rPr>
               <a:t>is</a:t>
             </a:r>
             <a:r>
-              <a:rPr lang="pl-PL" sz="2000" dirty="0" smtClean="0">
-                <a:latin typeface="Bahnschrift Light" panose="020B0502040204020203" pitchFamily="34" charset="0"/>
+              <a:rPr lang="pl-PL" sz="2400" dirty="0" smtClean="0">
+                <a:solidFill>
+                  <a:schemeClr val="tx2">
+                    <a:lumMod val="50000"/>
+                  </a:schemeClr>
+                </a:solidFill>
+                <a:latin typeface="Bahnschrift SemiLight SemiConde" panose="020B0502040204020203" pitchFamily="34" charset="0"/>
               </a:rPr>
               <a:t> the </a:t>
             </a:r>
             <a:r>
-              <a:rPr lang="pl-PL" sz="2000" dirty="0" err="1" smtClean="0">
-                <a:latin typeface="Bahnschrift Light" panose="020B0502040204020203" pitchFamily="34" charset="0"/>
+              <a:rPr lang="pl-PL" sz="2400" dirty="0" err="1" smtClean="0">
+                <a:solidFill>
+                  <a:schemeClr val="tx2">
+                    <a:lumMod val="50000"/>
+                  </a:schemeClr>
+                </a:solidFill>
+                <a:latin typeface="Bahnschrift SemiLight SemiConde" panose="020B0502040204020203" pitchFamily="34" charset="0"/>
               </a:rPr>
               <a:t>best</a:t>
             </a:r>
             <a:r>
-              <a:rPr lang="pl-PL" sz="2000" dirty="0" smtClean="0">
-                <a:latin typeface="Bahnschrift Light" panose="020B0502040204020203" pitchFamily="34" charset="0"/>
+              <a:rPr lang="pl-PL" sz="2400" dirty="0" smtClean="0">
+                <a:solidFill>
+                  <a:schemeClr val="tx2">
+                    <a:lumMod val="50000"/>
+                  </a:schemeClr>
+                </a:solidFill>
+                <a:latin typeface="Bahnschrift SemiLight SemiConde" panose="020B0502040204020203" pitchFamily="34" charset="0"/>
               </a:rPr>
               <a:t> </a:t>
             </a:r>
             <a:r>
-              <a:rPr lang="pl-PL" sz="2000" dirty="0" err="1" smtClean="0">
-                <a:latin typeface="Bahnschrift Light" panose="020B0502040204020203" pitchFamily="34" charset="0"/>
+              <a:rPr lang="pl-PL" sz="2400" dirty="0" err="1" smtClean="0">
+                <a:solidFill>
+                  <a:schemeClr val="tx2">
+                    <a:lumMod val="50000"/>
+                  </a:schemeClr>
+                </a:solidFill>
+                <a:latin typeface="Bahnschrift SemiLight SemiConde" panose="020B0502040204020203" pitchFamily="34" charset="0"/>
               </a:rPr>
               <a:t>way</a:t>
             </a:r>
             <a:r>
-              <a:rPr lang="pl-PL" sz="2000" dirty="0" smtClean="0">
-                <a:latin typeface="Bahnschrift Light" panose="020B0502040204020203" pitchFamily="34" charset="0"/>
+              <a:rPr lang="pl-PL" sz="2400" dirty="0" smtClean="0">
+                <a:solidFill>
+                  <a:schemeClr val="tx2">
+                    <a:lumMod val="50000"/>
+                  </a:schemeClr>
+                </a:solidFill>
+                <a:latin typeface="Bahnschrift SemiLight SemiConde" panose="020B0502040204020203" pitchFamily="34" charset="0"/>
               </a:rPr>
               <a:t> to </a:t>
             </a:r>
             <a:r>
-              <a:rPr lang="pl-PL" sz="2000" dirty="0" err="1" smtClean="0">
-                <a:latin typeface="Bahnschrift Light" panose="020B0502040204020203" pitchFamily="34" charset="0"/>
+              <a:rPr lang="pl-PL" sz="2400" dirty="0" err="1" smtClean="0">
+                <a:solidFill>
+                  <a:schemeClr val="tx2">
+                    <a:lumMod val="50000"/>
+                  </a:schemeClr>
+                </a:solidFill>
+                <a:latin typeface="Bahnschrift SemiLight SemiConde" panose="020B0502040204020203" pitchFamily="34" charset="0"/>
               </a:rPr>
               <a:t>decide</a:t>
             </a:r>
             <a:r>
-              <a:rPr lang="pl-PL" sz="2000" dirty="0" smtClean="0">
-                <a:latin typeface="Bahnschrift Light" panose="020B0502040204020203" pitchFamily="34" charset="0"/>
+              <a:rPr lang="pl-PL" sz="2400" dirty="0" smtClean="0">
+                <a:solidFill>
+                  <a:schemeClr val="tx2">
+                    <a:lumMod val="50000"/>
+                  </a:schemeClr>
+                </a:solidFill>
+                <a:latin typeface="Bahnschrift SemiLight SemiConde" panose="020B0502040204020203" pitchFamily="34" charset="0"/>
               </a:rPr>
               <a:t> </a:t>
             </a:r>
             <a:r>
-              <a:rPr lang="pl-PL" sz="2000" dirty="0" err="1" smtClean="0">
-                <a:latin typeface="Bahnschrift Light" panose="020B0502040204020203" pitchFamily="34" charset="0"/>
+              <a:rPr lang="pl-PL" sz="2400" dirty="0" err="1" smtClean="0">
+                <a:solidFill>
+                  <a:schemeClr val="tx2">
+                    <a:lumMod val="50000"/>
+                  </a:schemeClr>
+                </a:solidFill>
+                <a:latin typeface="Bahnschrift SemiLight SemiConde" panose="020B0502040204020203" pitchFamily="34" charset="0"/>
               </a:rPr>
               <a:t>how</a:t>
             </a:r>
             <a:r>
-              <a:rPr lang="pl-PL" sz="2000" dirty="0" smtClean="0">
-                <a:latin typeface="Bahnschrift Light" panose="020B0502040204020203" pitchFamily="34" charset="0"/>
+              <a:rPr lang="pl-PL" sz="2400" dirty="0" smtClean="0">
+                <a:solidFill>
+                  <a:schemeClr val="tx2">
+                    <a:lumMod val="50000"/>
+                  </a:schemeClr>
+                </a:solidFill>
+                <a:latin typeface="Bahnschrift SemiLight SemiConde" panose="020B0502040204020203" pitchFamily="34" charset="0"/>
               </a:rPr>
               <a:t> much </a:t>
             </a:r>
             <a:r>
-              <a:rPr lang="pl-PL" sz="2000" dirty="0" err="1" smtClean="0">
-                <a:latin typeface="Bahnschrift Light" panose="020B0502040204020203" pitchFamily="34" charset="0"/>
+              <a:rPr lang="pl-PL" sz="2400" dirty="0" err="1" smtClean="0">
+                <a:solidFill>
+                  <a:schemeClr val="tx2">
+                    <a:lumMod val="50000"/>
+                  </a:schemeClr>
+                </a:solidFill>
+                <a:latin typeface="Bahnschrift SemiLight SemiConde" panose="020B0502040204020203" pitchFamily="34" charset="0"/>
               </a:rPr>
               <a:t>credit</a:t>
             </a:r>
             <a:r>
-              <a:rPr lang="pl-PL" sz="2000" dirty="0" smtClean="0">
-                <a:latin typeface="Bahnschrift Light" panose="020B0502040204020203" pitchFamily="34" charset="0"/>
+              <a:rPr lang="pl-PL" sz="2400" dirty="0" smtClean="0">
+                <a:solidFill>
+                  <a:schemeClr val="tx2">
+                    <a:lumMod val="50000"/>
+                  </a:schemeClr>
+                </a:solidFill>
+                <a:latin typeface="Bahnschrift SemiLight SemiConde" panose="020B0502040204020203" pitchFamily="34" charset="0"/>
               </a:rPr>
               <a:t> </a:t>
             </a:r>
             <a:r>
-              <a:rPr lang="pl-PL" sz="2000" dirty="0" err="1" smtClean="0">
-                <a:latin typeface="Bahnschrift Light" panose="020B0502040204020203" pitchFamily="34" charset="0"/>
+              <a:rPr lang="pl-PL" sz="2400" dirty="0" err="1" smtClean="0">
+                <a:solidFill>
+                  <a:schemeClr val="tx2">
+                    <a:lumMod val="50000"/>
+                  </a:schemeClr>
+                </a:solidFill>
+                <a:latin typeface="Bahnschrift SemiLight SemiConde" panose="020B0502040204020203" pitchFamily="34" charset="0"/>
               </a:rPr>
               <a:t>allow</a:t>
             </a:r>
             <a:r>
-              <a:rPr lang="pl-PL" sz="2000" dirty="0" smtClean="0">
-                <a:latin typeface="Bahnschrift Light" panose="020B0502040204020203" pitchFamily="34" charset="0"/>
+              <a:rPr lang="pl-PL" sz="2400" dirty="0" smtClean="0">
+                <a:solidFill>
+                  <a:schemeClr val="tx2">
+                    <a:lumMod val="50000"/>
+                  </a:schemeClr>
+                </a:solidFill>
+                <a:latin typeface="Bahnschrift SemiLight SemiConde" panose="020B0502040204020203" pitchFamily="34" charset="0"/>
               </a:rPr>
               <a:t> the </a:t>
             </a:r>
             <a:r>
-              <a:rPr lang="pl-PL" sz="2000" dirty="0" err="1" smtClean="0">
-                <a:latin typeface="Bahnschrift Light" panose="020B0502040204020203" pitchFamily="34" charset="0"/>
+              <a:rPr lang="pl-PL" sz="2400" dirty="0" err="1" smtClean="0">
+                <a:solidFill>
+                  <a:schemeClr val="tx2">
+                    <a:lumMod val="50000"/>
+                  </a:schemeClr>
+                </a:solidFill>
+                <a:latin typeface="Bahnschrift SemiLight SemiConde" panose="020B0502040204020203" pitchFamily="34" charset="0"/>
               </a:rPr>
               <a:t>customers</a:t>
             </a:r>
             <a:r>
-              <a:rPr lang="pl-PL" sz="2000" dirty="0" smtClean="0">
-                <a:latin typeface="Bahnschrift Light" panose="020B0502040204020203" pitchFamily="34" charset="0"/>
+              <a:rPr lang="pl-PL" sz="2400" dirty="0" smtClean="0">
+                <a:solidFill>
+                  <a:schemeClr val="tx2">
+                    <a:lumMod val="50000"/>
+                  </a:schemeClr>
+                </a:solidFill>
+                <a:latin typeface="Bahnschrift SemiLight SemiConde" panose="020B0502040204020203" pitchFamily="34" charset="0"/>
               </a:rPr>
               <a:t> to </a:t>
             </a:r>
             <a:r>
-              <a:rPr lang="pl-PL" sz="2000" dirty="0" err="1" smtClean="0">
-                <a:latin typeface="Bahnschrift Light" panose="020B0502040204020203" pitchFamily="34" charset="0"/>
+              <a:rPr lang="pl-PL" sz="2400" dirty="0" err="1" smtClean="0">
+                <a:solidFill>
+                  <a:schemeClr val="tx2">
+                    <a:lumMod val="50000"/>
+                  </a:schemeClr>
+                </a:solidFill>
+                <a:latin typeface="Bahnschrift SemiLight SemiConde" panose="020B0502040204020203" pitchFamily="34" charset="0"/>
               </a:rPr>
               <a:t>get</a:t>
             </a:r>
             <a:r>
-              <a:rPr lang="pl-PL" sz="2000" dirty="0" smtClean="0">
-                <a:latin typeface="Bahnschrift Light" panose="020B0502040204020203" pitchFamily="34" charset="0"/>
+              <a:rPr lang="pl-PL" sz="2400" dirty="0" smtClean="0">
+                <a:solidFill>
+                  <a:schemeClr val="tx2">
+                    <a:lumMod val="50000"/>
+                  </a:schemeClr>
+                </a:solidFill>
+                <a:latin typeface="Bahnschrift SemiLight SemiConde" panose="020B0502040204020203" pitchFamily="34" charset="0"/>
               </a:rPr>
               <a:t>?</a:t>
             </a:r>
@@ -3792,8 +4337,8 @@
               <a:buFont typeface="Arial" panose="020B0604020202020204" pitchFamily="34" charset="0"/>
               <a:buChar char="•"/>
             </a:pPr>
-            <a:endParaRPr lang="pl-PL" sz="2000" dirty="0" smtClean="0">
-              <a:latin typeface="Bahnschrift Light" panose="020B0502040204020203" pitchFamily="34" charset="0"/>
+            <a:endParaRPr lang="pl-PL" sz="2400" dirty="0" smtClean="0">
+              <a:latin typeface="Bahnschrift SemiLight SemiConde" panose="020B0502040204020203" pitchFamily="34" charset="0"/>
             </a:endParaRPr>
           </a:p>
           <a:p>
@@ -3802,199 +4347,199 @@
               <a:buChar char="•"/>
             </a:pPr>
             <a:r>
-              <a:rPr lang="pl-PL" sz="2000" dirty="0" err="1" smtClean="0">
-                <a:latin typeface="Bahnschrift Light" panose="020B0502040204020203" pitchFamily="34" charset="0"/>
+              <a:rPr lang="pl-PL" sz="2400" dirty="0" err="1" smtClean="0">
+                <a:latin typeface="Bahnschrift SemiLight SemiConde" panose="020B0502040204020203" pitchFamily="34" charset="0"/>
               </a:rPr>
               <a:t>What</a:t>
             </a:r>
             <a:r>
-              <a:rPr lang="pl-PL" sz="2000" dirty="0" smtClean="0">
-                <a:latin typeface="Bahnschrift Light" panose="020B0502040204020203" pitchFamily="34" charset="0"/>
+              <a:rPr lang="pl-PL" sz="2400" dirty="0" smtClean="0">
+                <a:latin typeface="Bahnschrift SemiLight SemiConde" panose="020B0502040204020203" pitchFamily="34" charset="0"/>
               </a:rPr>
               <a:t> </a:t>
             </a:r>
             <a:r>
-              <a:rPr lang="pl-PL" sz="2000" dirty="0" err="1" smtClean="0">
-                <a:latin typeface="Bahnschrift Light" panose="020B0502040204020203" pitchFamily="34" charset="0"/>
+              <a:rPr lang="pl-PL" sz="2400" dirty="0" err="1" smtClean="0">
+                <a:latin typeface="Bahnschrift SemiLight SemiConde" panose="020B0502040204020203" pitchFamily="34" charset="0"/>
               </a:rPr>
               <a:t>are</a:t>
             </a:r>
             <a:r>
-              <a:rPr lang="pl-PL" sz="2000" dirty="0" smtClean="0">
-                <a:latin typeface="Bahnschrift Light" panose="020B0502040204020203" pitchFamily="34" charset="0"/>
+              <a:rPr lang="pl-PL" sz="2400" dirty="0" smtClean="0">
+                <a:latin typeface="Bahnschrift SemiLight SemiConde" panose="020B0502040204020203" pitchFamily="34" charset="0"/>
               </a:rPr>
               <a:t> the </a:t>
             </a:r>
             <a:r>
-              <a:rPr lang="pl-PL" sz="2000" dirty="0" err="1" smtClean="0">
-                <a:latin typeface="Bahnschrift Light" panose="020B0502040204020203" pitchFamily="34" charset="0"/>
+              <a:rPr lang="pl-PL" sz="2400" dirty="0" err="1" smtClean="0">
+                <a:latin typeface="Bahnschrift SemiLight SemiConde" panose="020B0502040204020203" pitchFamily="34" charset="0"/>
               </a:rPr>
               <a:t>odds</a:t>
             </a:r>
             <a:r>
-              <a:rPr lang="pl-PL" sz="2000" dirty="0" smtClean="0">
-                <a:latin typeface="Bahnschrift Light" panose="020B0502040204020203" pitchFamily="34" charset="0"/>
+              <a:rPr lang="pl-PL" sz="2400" dirty="0" smtClean="0">
+                <a:latin typeface="Bahnschrift SemiLight SemiConde" panose="020B0502040204020203" pitchFamily="34" charset="0"/>
               </a:rPr>
               <a:t> and </a:t>
             </a:r>
             <a:r>
-              <a:rPr lang="pl-PL" sz="2000" dirty="0" err="1" smtClean="0">
-                <a:latin typeface="Bahnschrift Light" panose="020B0502040204020203" pitchFamily="34" charset="0"/>
+              <a:rPr lang="pl-PL" sz="2400" dirty="0" err="1" smtClean="0">
+                <a:latin typeface="Bahnschrift SemiLight SemiConde" panose="020B0502040204020203" pitchFamily="34" charset="0"/>
               </a:rPr>
               <a:t>what</a:t>
             </a:r>
             <a:r>
-              <a:rPr lang="pl-PL" sz="2000" dirty="0" smtClean="0">
-                <a:latin typeface="Bahnschrift Light" panose="020B0502040204020203" pitchFamily="34" charset="0"/>
+              <a:rPr lang="pl-PL" sz="2400" dirty="0" smtClean="0">
+                <a:latin typeface="Bahnschrift SemiLight SemiConde" panose="020B0502040204020203" pitchFamily="34" charset="0"/>
               </a:rPr>
               <a:t> </a:t>
             </a:r>
             <a:r>
-              <a:rPr lang="pl-PL" sz="2000" dirty="0" err="1" smtClean="0">
-                <a:latin typeface="Bahnschrift Light" panose="020B0502040204020203" pitchFamily="34" charset="0"/>
+              <a:rPr lang="pl-PL" sz="2400" dirty="0" err="1" smtClean="0">
+                <a:latin typeface="Bahnschrift SemiLight SemiConde" panose="020B0502040204020203" pitchFamily="34" charset="0"/>
               </a:rPr>
               <a:t>can</a:t>
             </a:r>
             <a:r>
-              <a:rPr lang="pl-PL" sz="2000" dirty="0" smtClean="0">
-                <a:latin typeface="Bahnschrift Light" panose="020B0502040204020203" pitchFamily="34" charset="0"/>
+              <a:rPr lang="pl-PL" sz="2400" dirty="0" smtClean="0">
+                <a:latin typeface="Bahnschrift SemiLight SemiConde" panose="020B0502040204020203" pitchFamily="34" charset="0"/>
               </a:rPr>
               <a:t> be </a:t>
             </a:r>
             <a:r>
-              <a:rPr lang="pl-PL" sz="2000" dirty="0" err="1" smtClean="0">
-                <a:latin typeface="Bahnschrift Light" panose="020B0502040204020203" pitchFamily="34" charset="0"/>
+              <a:rPr lang="pl-PL" sz="2400" dirty="0" err="1" smtClean="0">
+                <a:latin typeface="Bahnschrift SemiLight SemiConde" panose="020B0502040204020203" pitchFamily="34" charset="0"/>
               </a:rPr>
               <a:t>done</a:t>
             </a:r>
             <a:r>
-              <a:rPr lang="pl-PL" sz="2000" dirty="0" smtClean="0">
-                <a:latin typeface="Bahnschrift Light" panose="020B0502040204020203" pitchFamily="34" charset="0"/>
+              <a:rPr lang="pl-PL" sz="2400" dirty="0" smtClean="0">
+                <a:latin typeface="Bahnschrift SemiLight SemiConde" panose="020B0502040204020203" pitchFamily="34" charset="0"/>
               </a:rPr>
               <a:t> to </a:t>
             </a:r>
             <a:r>
-              <a:rPr lang="pl-PL" sz="2000" dirty="0" err="1" smtClean="0">
-                <a:latin typeface="Bahnschrift Light" panose="020B0502040204020203" pitchFamily="34" charset="0"/>
+              <a:rPr lang="pl-PL" sz="2400" dirty="0" err="1" smtClean="0">
+                <a:latin typeface="Bahnschrift SemiLight SemiConde" panose="020B0502040204020203" pitchFamily="34" charset="0"/>
               </a:rPr>
               <a:t>avert</a:t>
             </a:r>
             <a:r>
-              <a:rPr lang="pl-PL" sz="2000" dirty="0" smtClean="0">
-                <a:latin typeface="Bahnschrift Light" panose="020B0502040204020203" pitchFamily="34" charset="0"/>
+              <a:rPr lang="pl-PL" sz="2400" dirty="0" smtClean="0">
+                <a:latin typeface="Bahnschrift SemiLight SemiConde" panose="020B0502040204020203" pitchFamily="34" charset="0"/>
               </a:rPr>
               <a:t> </a:t>
             </a:r>
             <a:r>
-              <a:rPr lang="pl-PL" sz="2000" dirty="0" err="1" smtClean="0">
-                <a:latin typeface="Bahnschrift Light" panose="020B0502040204020203" pitchFamily="34" charset="0"/>
+              <a:rPr lang="pl-PL" sz="2400" dirty="0" err="1" smtClean="0">
+                <a:latin typeface="Bahnschrift SemiLight SemiConde" panose="020B0502040204020203" pitchFamily="34" charset="0"/>
               </a:rPr>
               <a:t>Credit</a:t>
             </a:r>
             <a:r>
-              <a:rPr lang="pl-PL" sz="2000" dirty="0" smtClean="0">
-                <a:latin typeface="Bahnschrift Light" panose="020B0502040204020203" pitchFamily="34" charset="0"/>
+              <a:rPr lang="pl-PL" sz="2400" dirty="0" smtClean="0">
+                <a:latin typeface="Bahnschrift SemiLight SemiConde" panose="020B0502040204020203" pitchFamily="34" charset="0"/>
               </a:rPr>
               <a:t> One </a:t>
             </a:r>
             <a:r>
-              <a:rPr lang="pl-PL" sz="2000" dirty="0" err="1" smtClean="0">
-                <a:latin typeface="Bahnschrift Light" panose="020B0502040204020203" pitchFamily="34" charset="0"/>
+              <a:rPr lang="pl-PL" sz="2400" dirty="0" err="1" smtClean="0">
+                <a:latin typeface="Bahnschrift SemiLight SemiConde" panose="020B0502040204020203" pitchFamily="34" charset="0"/>
               </a:rPr>
               <a:t>collapse</a:t>
             </a:r>
             <a:r>
-              <a:rPr lang="pl-PL" sz="2000" dirty="0" smtClean="0">
-                <a:latin typeface="Bahnschrift Light" panose="020B0502040204020203" pitchFamily="34" charset="0"/>
+              <a:rPr lang="pl-PL" sz="2400" dirty="0" smtClean="0">
+                <a:latin typeface="Bahnschrift SemiLight SemiConde" panose="020B0502040204020203" pitchFamily="34" charset="0"/>
               </a:rPr>
               <a:t> </a:t>
             </a:r>
             <a:r>
-              <a:rPr lang="pl-PL" sz="2000" dirty="0" err="1" smtClean="0">
-                <a:latin typeface="Bahnschrift Light" panose="020B0502040204020203" pitchFamily="34" charset="0"/>
+              <a:rPr lang="pl-PL" sz="2400" dirty="0" err="1" smtClean="0">
+                <a:latin typeface="Bahnschrift SemiLight SemiConde" panose="020B0502040204020203" pitchFamily="34" charset="0"/>
               </a:rPr>
               <a:t>because</a:t>
             </a:r>
             <a:r>
-              <a:rPr lang="pl-PL" sz="2000" dirty="0" smtClean="0">
-                <a:latin typeface="Bahnschrift Light" panose="020B0502040204020203" pitchFamily="34" charset="0"/>
+              <a:rPr lang="pl-PL" sz="2400" dirty="0" smtClean="0">
+                <a:latin typeface="Bahnschrift SemiLight SemiConde" panose="020B0502040204020203" pitchFamily="34" charset="0"/>
               </a:rPr>
               <a:t> of </a:t>
             </a:r>
             <a:r>
-              <a:rPr lang="pl-PL" sz="2000" dirty="0" err="1" smtClean="0">
-                <a:latin typeface="Bahnschrift Light" panose="020B0502040204020203" pitchFamily="34" charset="0"/>
+              <a:rPr lang="pl-PL" sz="2400" dirty="0" err="1" smtClean="0">
+                <a:latin typeface="Bahnschrift SemiLight SemiConde" panose="020B0502040204020203" pitchFamily="34" charset="0"/>
               </a:rPr>
               <a:t>increasing</a:t>
             </a:r>
             <a:r>
-              <a:rPr lang="pl-PL" sz="2000" dirty="0" smtClean="0">
-                <a:latin typeface="Bahnschrift Light" panose="020B0502040204020203" pitchFamily="34" charset="0"/>
+              <a:rPr lang="pl-PL" sz="2400" dirty="0" smtClean="0">
+                <a:latin typeface="Bahnschrift SemiLight SemiConde" panose="020B0502040204020203" pitchFamily="34" charset="0"/>
               </a:rPr>
               <a:t> </a:t>
             </a:r>
             <a:r>
-              <a:rPr lang="pl-PL" sz="2000" dirty="0" err="1" smtClean="0">
-                <a:latin typeface="Bahnschrift Light" panose="020B0502040204020203" pitchFamily="34" charset="0"/>
+              <a:rPr lang="pl-PL" sz="2400" dirty="0" err="1" smtClean="0">
+                <a:latin typeface="Bahnschrift SemiLight SemiConde" panose="020B0502040204020203" pitchFamily="34" charset="0"/>
               </a:rPr>
               <a:t>number</a:t>
             </a:r>
             <a:r>
-              <a:rPr lang="pl-PL" sz="2000" dirty="0" smtClean="0">
-                <a:latin typeface="Bahnschrift Light" panose="020B0502040204020203" pitchFamily="34" charset="0"/>
+              <a:rPr lang="pl-PL" sz="2400" dirty="0" smtClean="0">
+                <a:latin typeface="Bahnschrift SemiLight SemiConde" panose="020B0502040204020203" pitchFamily="34" charset="0"/>
               </a:rPr>
               <a:t> of </a:t>
             </a:r>
             <a:r>
-              <a:rPr lang="pl-PL" sz="2000" dirty="0" err="1" smtClean="0">
-                <a:latin typeface="Bahnschrift Light" panose="020B0502040204020203" pitchFamily="34" charset="0"/>
+              <a:rPr lang="pl-PL" sz="2400" dirty="0" err="1" smtClean="0">
+                <a:latin typeface="Bahnschrift SemiLight SemiConde" panose="020B0502040204020203" pitchFamily="34" charset="0"/>
               </a:rPr>
               <a:t>people</a:t>
             </a:r>
             <a:r>
-              <a:rPr lang="pl-PL" sz="2000" dirty="0" smtClean="0">
-                <a:latin typeface="Bahnschrift Light" panose="020B0502040204020203" pitchFamily="34" charset="0"/>
+              <a:rPr lang="pl-PL" sz="2400" dirty="0" smtClean="0">
+                <a:latin typeface="Bahnschrift SemiLight SemiConde" panose="020B0502040204020203" pitchFamily="34" charset="0"/>
               </a:rPr>
               <a:t> </a:t>
             </a:r>
             <a:r>
-              <a:rPr lang="pl-PL" sz="2000" dirty="0" err="1" smtClean="0">
-                <a:latin typeface="Bahnschrift Light" panose="020B0502040204020203" pitchFamily="34" charset="0"/>
+              <a:rPr lang="pl-PL" sz="2400" dirty="0" err="1" smtClean="0">
+                <a:latin typeface="Bahnschrift SemiLight SemiConde" panose="020B0502040204020203" pitchFamily="34" charset="0"/>
               </a:rPr>
               <a:t>who</a:t>
             </a:r>
             <a:r>
-              <a:rPr lang="pl-PL" sz="2000" dirty="0" smtClean="0">
-                <a:latin typeface="Bahnschrift Light" panose="020B0502040204020203" pitchFamily="34" charset="0"/>
+              <a:rPr lang="pl-PL" sz="2400" dirty="0" smtClean="0">
+                <a:latin typeface="Bahnschrift SemiLight SemiConde" panose="020B0502040204020203" pitchFamily="34" charset="0"/>
               </a:rPr>
               <a:t> </a:t>
             </a:r>
             <a:r>
-              <a:rPr lang="pl-PL" sz="2000" dirty="0" err="1" smtClean="0">
-                <a:latin typeface="Bahnschrift Light" panose="020B0502040204020203" pitchFamily="34" charset="0"/>
+              <a:rPr lang="pl-PL" sz="2400" dirty="0" err="1" smtClean="0">
+                <a:latin typeface="Bahnschrift SemiLight SemiConde" panose="020B0502040204020203" pitchFamily="34" charset="0"/>
               </a:rPr>
               <a:t>defaulted</a:t>
             </a:r>
             <a:r>
-              <a:rPr lang="pl-PL" sz="2000" dirty="0" smtClean="0">
-                <a:latin typeface="Bahnschrift Light" panose="020B0502040204020203" pitchFamily="34" charset="0"/>
+              <a:rPr lang="pl-PL" sz="2400" dirty="0" smtClean="0">
+                <a:latin typeface="Bahnschrift SemiLight SemiConde" panose="020B0502040204020203" pitchFamily="34" charset="0"/>
               </a:rPr>
               <a:t> on </a:t>
             </a:r>
             <a:r>
-              <a:rPr lang="pl-PL" sz="2000" dirty="0" err="1" smtClean="0">
-                <a:latin typeface="Bahnschrift Light" panose="020B0502040204020203" pitchFamily="34" charset="0"/>
+              <a:rPr lang="pl-PL" sz="2400" dirty="0" err="1" smtClean="0">
+                <a:latin typeface="Bahnschrift SemiLight SemiConde" panose="020B0502040204020203" pitchFamily="34" charset="0"/>
               </a:rPr>
               <a:t>loans</a:t>
             </a:r>
             <a:r>
-              <a:rPr lang="pl-PL" sz="2000" dirty="0" smtClean="0">
-                <a:latin typeface="Bahnschrift Light" panose="020B0502040204020203" pitchFamily="34" charset="0"/>
+              <a:rPr lang="pl-PL" sz="2400" dirty="0" smtClean="0">
+                <a:latin typeface="Bahnschrift SemiLight SemiConde" panose="020B0502040204020203" pitchFamily="34" charset="0"/>
               </a:rPr>
               <a:t>?</a:t>
             </a:r>
-            <a:endParaRPr lang="en-GB" sz="2000" dirty="0">
-              <a:latin typeface="Bahnschrift Light" panose="020B0502040204020203" pitchFamily="34" charset="0"/>
+            <a:endParaRPr lang="en-GB" sz="2400" dirty="0">
+              <a:latin typeface="Bahnschrift SemiLight SemiConde" panose="020B0502040204020203" pitchFamily="34" charset="0"/>
             </a:endParaRPr>
           </a:p>
         </p:txBody>
@@ -4003,6 +4548,1378 @@
     <p:extLst>
       <p:ext uri="{BB962C8B-B14F-4D97-AF65-F5344CB8AC3E}">
         <p14:creationId xmlns:p14="http://schemas.microsoft.com/office/powerpoint/2010/main" val="1890696375"/>
+      </p:ext>
+    </p:extLst>
+  </p:cSld>
+  <p:clrMapOvr>
+    <a:masterClrMapping/>
+  </p:clrMapOvr>
+</p:sld>
+</file>
+
+<file path=ppt/slides/slide4.xml><?xml version="1.0" encoding="utf-8"?>
+<p:sld xmlns:a="http://schemas.openxmlformats.org/drawingml/2006/main" xmlns:r="http://schemas.openxmlformats.org/officeDocument/2006/relationships" xmlns:p="http://schemas.openxmlformats.org/presentationml/2006/main">
+  <p:cSld>
+    <p:spTree>
+      <p:nvGrpSpPr>
+        <p:cNvPr id="1" name=""/>
+        <p:cNvGrpSpPr/>
+        <p:nvPr/>
+      </p:nvGrpSpPr>
+      <p:grpSpPr>
+        <a:xfrm>
+          <a:off x="0" y="0"/>
+          <a:ext cx="0" cy="0"/>
+          <a:chOff x="0" y="0"/>
+          <a:chExt cx="0" cy="0"/>
+        </a:xfrm>
+      </p:grpSpPr>
+      <p:pic>
+        <p:nvPicPr>
+          <p:cNvPr id="5" name="Picture 2"/>
+          <p:cNvPicPr>
+            <a:picLocks noChangeAspect="1" noChangeArrowheads="1"/>
+          </p:cNvPicPr>
+          <p:nvPr/>
+        </p:nvPicPr>
+        <p:blipFill>
+          <a:blip r:embed="rId2">
+            <a:lum bright="70000" contrast="-70000"/>
+            <a:extLst>
+              <a:ext uri="{28A0092B-C50C-407E-A947-70E740481C1C}">
+                <a14:useLocalDpi xmlns:a14="http://schemas.microsoft.com/office/drawing/2010/main" val="0"/>
+              </a:ext>
+            </a:extLst>
+          </a:blip>
+          <a:srcRect/>
+          <a:stretch>
+            <a:fillRect/>
+          </a:stretch>
+        </p:blipFill>
+        <p:spPr bwMode="auto">
+          <a:xfrm>
+            <a:off x="-612576" y="-8632"/>
+            <a:ext cx="10557048" cy="7038032"/>
+          </a:xfrm>
+          <a:prstGeom prst="rect">
+            <a:avLst/>
+          </a:prstGeom>
+          <a:noFill/>
+          <a:ln>
+            <a:noFill/>
+          </a:ln>
+          <a:effectLst/>
+          <a:extLst>
+            <a:ext uri="{909E8E84-426E-40DD-AFC4-6F175D3DCCD1}">
+              <a14:hiddenFill xmlns:a14="http://schemas.microsoft.com/office/drawing/2010/main">
+                <a:solidFill>
+                  <a:schemeClr val="accent1"/>
+                </a:solidFill>
+              </a14:hiddenFill>
+            </a:ext>
+            <a:ext uri="{91240B29-F687-4F45-9708-019B960494DF}">
+              <a14:hiddenLine xmlns:a14="http://schemas.microsoft.com/office/drawing/2010/main" w="9525">
+                <a:solidFill>
+                  <a:schemeClr val="tx1"/>
+                </a:solidFill>
+                <a:miter lim="800000"/>
+                <a:headEnd/>
+                <a:tailEnd/>
+              </a14:hiddenLine>
+            </a:ext>
+            <a:ext uri="{AF507438-7753-43E0-B8FC-AC1667EBCBE1}">
+              <a14:hiddenEffects xmlns:a14="http://schemas.microsoft.com/office/drawing/2010/main">
+                <a:effectLst>
+                  <a:outerShdw dist="35921" dir="2700000" algn="ctr" rotWithShape="0">
+                    <a:schemeClr val="bg2"/>
+                  </a:outerShdw>
+                </a:effectLst>
+              </a14:hiddenEffects>
+            </a:ext>
+          </a:extLst>
+        </p:spPr>
+      </p:pic>
+      <p:sp>
+        <p:nvSpPr>
+          <p:cNvPr id="4" name="pole tekstowe 3"/>
+          <p:cNvSpPr txBox="1"/>
+          <p:nvPr/>
+        </p:nvSpPr>
+        <p:spPr>
+          <a:xfrm>
+            <a:off x="2411760" y="404664"/>
+            <a:ext cx="6480720" cy="769441"/>
+          </a:xfrm>
+          <a:prstGeom prst="rect">
+            <a:avLst/>
+          </a:prstGeom>
+          <a:noFill/>
+        </p:spPr>
+        <p:txBody>
+          <a:bodyPr wrap="square" rtlCol="0">
+            <a:spAutoFit/>
+          </a:bodyPr>
+          <a:lstStyle/>
+          <a:p>
+            <a:pPr algn="r"/>
+            <a:r>
+              <a:rPr lang="pl-PL" sz="4400" dirty="0">
+                <a:latin typeface="Bahnschrift SemiBold" panose="020B0502040204020203" pitchFamily="34" charset="0"/>
+              </a:rPr>
+              <a:t>Analysis Plan</a:t>
+            </a:r>
+          </a:p>
+        </p:txBody>
+      </p:sp>
+      <p:sp>
+        <p:nvSpPr>
+          <p:cNvPr id="2" name="pole tekstowe 1"/>
+          <p:cNvSpPr txBox="1"/>
+          <p:nvPr/>
+        </p:nvSpPr>
+        <p:spPr>
+          <a:xfrm>
+            <a:off x="395536" y="1412776"/>
+            <a:ext cx="8352928" cy="6665223"/>
+          </a:xfrm>
+          <a:prstGeom prst="rect">
+            <a:avLst/>
+          </a:prstGeom>
+          <a:noFill/>
+        </p:spPr>
+        <p:txBody>
+          <a:bodyPr wrap="square" rtlCol="0">
+            <a:spAutoFit/>
+          </a:bodyPr>
+          <a:lstStyle/>
+          <a:p>
+            <a:pPr marL="457200" indent="-457200">
+              <a:lnSpc>
+                <a:spcPct val="150000"/>
+              </a:lnSpc>
+              <a:buFont typeface="+mj-lt"/>
+              <a:buAutoNum type="arabicPeriod"/>
+            </a:pPr>
+            <a:r>
+              <a:rPr lang="pl-PL" sz="2400" dirty="0" smtClean="0">
+                <a:latin typeface="Bahnschrift SemiLight SemiConde" panose="020B0502040204020203" pitchFamily="34" charset="0"/>
+              </a:rPr>
+              <a:t>Access the data</a:t>
+            </a:r>
+          </a:p>
+          <a:p>
+            <a:pPr marL="457200" indent="-457200">
+              <a:lnSpc>
+                <a:spcPct val="150000"/>
+              </a:lnSpc>
+              <a:buFont typeface="+mj-lt"/>
+              <a:buAutoNum type="arabicPeriod"/>
+            </a:pPr>
+            <a:r>
+              <a:rPr lang="pl-PL" sz="2400" dirty="0" err="1" smtClean="0">
+                <a:solidFill>
+                  <a:schemeClr val="tx2">
+                    <a:lumMod val="50000"/>
+                  </a:schemeClr>
+                </a:solidFill>
+                <a:latin typeface="Bahnschrift SemiLight SemiConde" panose="020B0502040204020203" pitchFamily="34" charset="0"/>
+              </a:rPr>
+              <a:t>Extract</a:t>
+            </a:r>
+            <a:r>
+              <a:rPr lang="pl-PL" sz="2400" dirty="0" smtClean="0">
+                <a:solidFill>
+                  <a:schemeClr val="tx2">
+                    <a:lumMod val="50000"/>
+                  </a:schemeClr>
+                </a:solidFill>
+                <a:latin typeface="Bahnschrift SemiLight SemiConde" panose="020B0502040204020203" pitchFamily="34" charset="0"/>
+              </a:rPr>
+              <a:t> and </a:t>
+            </a:r>
+            <a:r>
+              <a:rPr lang="pl-PL" sz="2400" dirty="0" err="1" smtClean="0">
+                <a:solidFill>
+                  <a:schemeClr val="tx2">
+                    <a:lumMod val="50000"/>
+                  </a:schemeClr>
+                </a:solidFill>
+                <a:latin typeface="Bahnschrift SemiLight SemiConde" panose="020B0502040204020203" pitchFamily="34" charset="0"/>
+              </a:rPr>
+              <a:t>sava</a:t>
+            </a:r>
+            <a:r>
+              <a:rPr lang="pl-PL" sz="2400" dirty="0" smtClean="0">
+                <a:solidFill>
+                  <a:schemeClr val="tx2">
+                    <a:lumMod val="50000"/>
+                  </a:schemeClr>
+                </a:solidFill>
+                <a:latin typeface="Bahnschrift SemiLight SemiConde" panose="020B0502040204020203" pitchFamily="34" charset="0"/>
+              </a:rPr>
+              <a:t> data </a:t>
+            </a:r>
+            <a:r>
+              <a:rPr lang="pl-PL" sz="2400" dirty="0" err="1" smtClean="0">
+                <a:solidFill>
+                  <a:schemeClr val="tx2">
+                    <a:lumMod val="50000"/>
+                  </a:schemeClr>
+                </a:solidFill>
+                <a:latin typeface="Bahnschrift SemiLight SemiConde" panose="020B0502040204020203" pitchFamily="34" charset="0"/>
+              </a:rPr>
+              <a:t>into</a:t>
+            </a:r>
+            <a:r>
+              <a:rPr lang="pl-PL" sz="2400" dirty="0" smtClean="0">
+                <a:solidFill>
+                  <a:schemeClr val="tx2">
+                    <a:lumMod val="50000"/>
+                  </a:schemeClr>
+                </a:solidFill>
+                <a:latin typeface="Bahnschrift SemiLight SemiConde" panose="020B0502040204020203" pitchFamily="34" charset="0"/>
+              </a:rPr>
+              <a:t> </a:t>
+            </a:r>
+            <a:r>
+              <a:rPr lang="pl-PL" sz="2400" dirty="0" err="1" smtClean="0">
+                <a:solidFill>
+                  <a:schemeClr val="tx2">
+                    <a:lumMod val="50000"/>
+                  </a:schemeClr>
+                </a:solidFill>
+                <a:latin typeface="Bahnschrift SemiLight SemiConde" panose="020B0502040204020203" pitchFamily="34" charset="0"/>
+              </a:rPr>
+              <a:t>Python</a:t>
+            </a:r>
+            <a:r>
+              <a:rPr lang="pl-PL" sz="2400" dirty="0" smtClean="0">
+                <a:solidFill>
+                  <a:schemeClr val="tx2">
+                    <a:lumMod val="50000"/>
+                  </a:schemeClr>
+                </a:solidFill>
+                <a:latin typeface="Bahnschrift SemiLight SemiConde" panose="020B0502040204020203" pitchFamily="34" charset="0"/>
+              </a:rPr>
+              <a:t> </a:t>
+            </a:r>
+            <a:r>
+              <a:rPr lang="pl-PL" sz="2400" dirty="0" err="1" smtClean="0">
+                <a:solidFill>
+                  <a:schemeClr val="tx2">
+                    <a:lumMod val="50000"/>
+                  </a:schemeClr>
+                </a:solidFill>
+                <a:latin typeface="Bahnschrift SemiLight SemiConde" panose="020B0502040204020203" pitchFamily="34" charset="0"/>
+              </a:rPr>
+              <a:t>dataframe</a:t>
+            </a:r>
+            <a:endParaRPr lang="pl-PL" sz="2400" dirty="0" smtClean="0">
+              <a:solidFill>
+                <a:schemeClr val="tx2">
+                  <a:lumMod val="50000"/>
+                </a:schemeClr>
+              </a:solidFill>
+              <a:latin typeface="Bahnschrift SemiLight SemiConde" panose="020B0502040204020203" pitchFamily="34" charset="0"/>
+            </a:endParaRPr>
+          </a:p>
+          <a:p>
+            <a:pPr marL="457200" indent="-457200">
+              <a:lnSpc>
+                <a:spcPct val="150000"/>
+              </a:lnSpc>
+              <a:buFont typeface="+mj-lt"/>
+              <a:buAutoNum type="arabicPeriod"/>
+            </a:pPr>
+            <a:r>
+              <a:rPr lang="pl-PL" sz="2400" dirty="0" err="1" smtClean="0">
+                <a:latin typeface="Bahnschrift SemiLight SemiConde" panose="020B0502040204020203" pitchFamily="34" charset="0"/>
+              </a:rPr>
+              <a:t>Examine</a:t>
+            </a:r>
+            <a:r>
+              <a:rPr lang="pl-PL" sz="2400" dirty="0" smtClean="0">
+                <a:latin typeface="Bahnschrift SemiLight SemiConde" panose="020B0502040204020203" pitchFamily="34" charset="0"/>
+              </a:rPr>
+              <a:t> data (data </a:t>
+            </a:r>
+            <a:r>
+              <a:rPr lang="pl-PL" sz="2400" dirty="0" err="1" smtClean="0">
+                <a:latin typeface="Bahnschrift SemiLight SemiConde" panose="020B0502040204020203" pitchFamily="34" charset="0"/>
+              </a:rPr>
+              <a:t>type</a:t>
+            </a:r>
+            <a:r>
+              <a:rPr lang="pl-PL" sz="2400" dirty="0" smtClean="0">
+                <a:latin typeface="Bahnschrift SemiLight SemiConde" panose="020B0502040204020203" pitchFamily="34" charset="0"/>
+              </a:rPr>
+              <a:t> &amp; </a:t>
+            </a:r>
+            <a:r>
+              <a:rPr lang="pl-PL" sz="2400" dirty="0" err="1" smtClean="0">
+                <a:latin typeface="Bahnschrift SemiLight SemiConde" panose="020B0502040204020203" pitchFamily="34" charset="0"/>
+              </a:rPr>
+              <a:t>columns</a:t>
+            </a:r>
+            <a:r>
+              <a:rPr lang="pl-PL" sz="2400" dirty="0" smtClean="0">
+                <a:latin typeface="Bahnschrift SemiLight SemiConde" panose="020B0502040204020203" pitchFamily="34" charset="0"/>
+              </a:rPr>
+              <a:t> </a:t>
+            </a:r>
+            <a:r>
+              <a:rPr lang="pl-PL" sz="2400" dirty="0" err="1" smtClean="0">
+                <a:latin typeface="Bahnschrift SemiLight SemiConde" panose="020B0502040204020203" pitchFamily="34" charset="0"/>
+              </a:rPr>
+              <a:t>use</a:t>
+            </a:r>
+            <a:r>
+              <a:rPr lang="pl-PL" sz="2400" dirty="0" smtClean="0">
+                <a:latin typeface="Bahnschrift SemiLight SemiConde" panose="020B0502040204020203" pitchFamily="34" charset="0"/>
+              </a:rPr>
+              <a:t>)</a:t>
+            </a:r>
+            <a:endParaRPr lang="pl-PL" sz="2400" dirty="0">
+              <a:latin typeface="Bahnschrift SemiLight SemiConde" panose="020B0502040204020203" pitchFamily="34" charset="0"/>
+            </a:endParaRPr>
+          </a:p>
+          <a:p>
+            <a:pPr marL="457200" indent="-457200">
+              <a:lnSpc>
+                <a:spcPct val="150000"/>
+              </a:lnSpc>
+              <a:buFont typeface="+mj-lt"/>
+              <a:buAutoNum type="arabicPeriod"/>
+            </a:pPr>
+            <a:r>
+              <a:rPr lang="pl-PL" sz="2400" dirty="0" err="1" smtClean="0">
+                <a:solidFill>
+                  <a:schemeClr val="tx2">
+                    <a:lumMod val="50000"/>
+                  </a:schemeClr>
+                </a:solidFill>
+                <a:latin typeface="Bahnschrift SemiLight SemiConde" panose="020B0502040204020203" pitchFamily="34" charset="0"/>
+              </a:rPr>
+              <a:t>Clean</a:t>
+            </a:r>
+            <a:r>
+              <a:rPr lang="pl-PL" sz="2400" dirty="0" smtClean="0">
+                <a:solidFill>
+                  <a:schemeClr val="tx2">
+                    <a:lumMod val="50000"/>
+                  </a:schemeClr>
+                </a:solidFill>
+                <a:latin typeface="Bahnschrift SemiLight SemiConde" panose="020B0502040204020203" pitchFamily="34" charset="0"/>
+              </a:rPr>
+              <a:t> the data </a:t>
+            </a:r>
+            <a:r>
+              <a:rPr lang="pl-PL" sz="2400" dirty="0" err="1" smtClean="0">
+                <a:solidFill>
+                  <a:schemeClr val="tx2">
+                    <a:lumMod val="50000"/>
+                  </a:schemeClr>
+                </a:solidFill>
+                <a:latin typeface="Bahnschrift SemiLight SemiConde" panose="020B0502040204020203" pitchFamily="34" charset="0"/>
+              </a:rPr>
+              <a:t>up</a:t>
+            </a:r>
+            <a:endParaRPr lang="pl-PL" sz="2400" dirty="0" smtClean="0">
+              <a:solidFill>
+                <a:schemeClr val="tx2">
+                  <a:lumMod val="50000"/>
+                </a:schemeClr>
+              </a:solidFill>
+              <a:latin typeface="Bahnschrift SemiLight SemiConde" panose="020B0502040204020203" pitchFamily="34" charset="0"/>
+            </a:endParaRPr>
+          </a:p>
+          <a:p>
+            <a:pPr marL="457200" indent="-457200">
+              <a:lnSpc>
+                <a:spcPct val="150000"/>
+              </a:lnSpc>
+              <a:buFont typeface="+mj-lt"/>
+              <a:buAutoNum type="arabicPeriod"/>
+            </a:pPr>
+            <a:r>
+              <a:rPr lang="pl-PL" sz="2400" dirty="0" err="1" smtClean="0">
+                <a:latin typeface="Bahnschrift SemiLight SemiConde" panose="020B0502040204020203" pitchFamily="34" charset="0"/>
+              </a:rPr>
+              <a:t>Explore</a:t>
+            </a:r>
+            <a:r>
+              <a:rPr lang="pl-PL" sz="2400" dirty="0" smtClean="0">
+                <a:latin typeface="Bahnschrift SemiLight SemiConde" panose="020B0502040204020203" pitchFamily="34" charset="0"/>
+              </a:rPr>
+              <a:t> the data (EDA)</a:t>
+            </a:r>
+          </a:p>
+          <a:p>
+            <a:pPr marL="457200" indent="-457200">
+              <a:lnSpc>
+                <a:spcPct val="150000"/>
+              </a:lnSpc>
+              <a:buFont typeface="+mj-lt"/>
+              <a:buAutoNum type="arabicPeriod"/>
+            </a:pPr>
+            <a:r>
+              <a:rPr lang="pl-PL" sz="2400" dirty="0" err="1" smtClean="0">
+                <a:solidFill>
+                  <a:schemeClr val="tx2">
+                    <a:lumMod val="50000"/>
+                  </a:schemeClr>
+                </a:solidFill>
+                <a:latin typeface="Bahnschrift SemiLight SemiConde" panose="020B0502040204020203" pitchFamily="34" charset="0"/>
+              </a:rPr>
+              <a:t>Perform</a:t>
+            </a:r>
+            <a:r>
+              <a:rPr lang="pl-PL" sz="2400" dirty="0" smtClean="0">
+                <a:solidFill>
+                  <a:schemeClr val="tx2">
+                    <a:lumMod val="50000"/>
+                  </a:schemeClr>
+                </a:solidFill>
+                <a:latin typeface="Bahnschrift SemiLight SemiConde" panose="020B0502040204020203" pitchFamily="34" charset="0"/>
+              </a:rPr>
+              <a:t> in-</a:t>
+            </a:r>
+            <a:r>
+              <a:rPr lang="pl-PL" sz="2400" dirty="0" err="1" smtClean="0">
+                <a:solidFill>
+                  <a:schemeClr val="tx2">
+                    <a:lumMod val="50000"/>
+                  </a:schemeClr>
+                </a:solidFill>
+                <a:latin typeface="Bahnschrift SemiLight SemiConde" panose="020B0502040204020203" pitchFamily="34" charset="0"/>
+              </a:rPr>
+              <a:t>depth</a:t>
+            </a:r>
+            <a:r>
+              <a:rPr lang="pl-PL" sz="2400" dirty="0" smtClean="0">
+                <a:solidFill>
+                  <a:schemeClr val="tx2">
+                    <a:lumMod val="50000"/>
+                  </a:schemeClr>
+                </a:solidFill>
+                <a:latin typeface="Bahnschrift SemiLight SemiConde" panose="020B0502040204020203" pitchFamily="34" charset="0"/>
+              </a:rPr>
+              <a:t> </a:t>
+            </a:r>
+            <a:r>
+              <a:rPr lang="pl-PL" sz="2400" dirty="0" err="1" smtClean="0">
+                <a:solidFill>
+                  <a:schemeClr val="tx2">
+                    <a:lumMod val="50000"/>
+                  </a:schemeClr>
+                </a:solidFill>
+                <a:latin typeface="Bahnschrift SemiLight SemiConde" panose="020B0502040204020203" pitchFamily="34" charset="0"/>
+              </a:rPr>
+              <a:t>analysis</a:t>
+            </a:r>
+            <a:r>
+              <a:rPr lang="pl-PL" sz="2400" dirty="0" smtClean="0">
+                <a:solidFill>
+                  <a:schemeClr val="tx2">
+                    <a:lumMod val="50000"/>
+                  </a:schemeClr>
+                </a:solidFill>
+                <a:latin typeface="Bahnschrift SemiLight SemiConde" panose="020B0502040204020203" pitchFamily="34" charset="0"/>
+              </a:rPr>
+              <a:t> (</a:t>
+            </a:r>
+            <a:r>
+              <a:rPr lang="pl-PL" sz="2400" dirty="0" err="1" smtClean="0">
+                <a:solidFill>
+                  <a:schemeClr val="tx2">
+                    <a:lumMod val="50000"/>
+                  </a:schemeClr>
+                </a:solidFill>
+                <a:latin typeface="Bahnschrift SemiLight SemiConde" panose="020B0502040204020203" pitchFamily="34" charset="0"/>
+              </a:rPr>
+              <a:t>create</a:t>
+            </a:r>
+            <a:r>
+              <a:rPr lang="pl-PL" sz="2400" dirty="0" smtClean="0">
+                <a:solidFill>
+                  <a:schemeClr val="tx2">
+                    <a:lumMod val="50000"/>
+                  </a:schemeClr>
+                </a:solidFill>
+                <a:latin typeface="Bahnschrift SemiLight SemiConde" panose="020B0502040204020203" pitchFamily="34" charset="0"/>
+              </a:rPr>
+              <a:t> and </a:t>
+            </a:r>
+            <a:r>
+              <a:rPr lang="pl-PL" sz="2400" dirty="0" err="1" smtClean="0">
+                <a:solidFill>
+                  <a:schemeClr val="tx2">
+                    <a:lumMod val="50000"/>
+                  </a:schemeClr>
+                </a:solidFill>
+                <a:latin typeface="Bahnschrift SemiLight SemiConde" panose="020B0502040204020203" pitchFamily="34" charset="0"/>
+              </a:rPr>
+              <a:t>evaluate</a:t>
+            </a:r>
+            <a:r>
+              <a:rPr lang="pl-PL" sz="2400" dirty="0">
+                <a:solidFill>
+                  <a:schemeClr val="tx2">
+                    <a:lumMod val="50000"/>
+                  </a:schemeClr>
+                </a:solidFill>
+                <a:latin typeface="Bahnschrift SemiLight SemiConde" panose="020B0502040204020203" pitchFamily="34" charset="0"/>
+              </a:rPr>
+              <a:t> </a:t>
+            </a:r>
+            <a:r>
+              <a:rPr lang="pl-PL" sz="2400" dirty="0" err="1" smtClean="0">
+                <a:solidFill>
+                  <a:schemeClr val="tx2">
+                    <a:lumMod val="50000"/>
+                  </a:schemeClr>
+                </a:solidFill>
+                <a:latin typeface="Bahnschrift SemiLight SemiConde" panose="020B0502040204020203" pitchFamily="34" charset="0"/>
+              </a:rPr>
+              <a:t>predictive</a:t>
+            </a:r>
+            <a:r>
+              <a:rPr lang="pl-PL" sz="2400" dirty="0" smtClean="0">
+                <a:solidFill>
+                  <a:schemeClr val="tx2">
+                    <a:lumMod val="50000"/>
+                  </a:schemeClr>
+                </a:solidFill>
+                <a:latin typeface="Bahnschrift SemiLight SemiConde" panose="020B0502040204020203" pitchFamily="34" charset="0"/>
+              </a:rPr>
+              <a:t> </a:t>
+            </a:r>
+            <a:r>
+              <a:rPr lang="pl-PL" sz="2400" dirty="0" err="1" smtClean="0">
+                <a:solidFill>
+                  <a:schemeClr val="tx2">
+                    <a:lumMod val="50000"/>
+                  </a:schemeClr>
+                </a:solidFill>
+                <a:latin typeface="Bahnschrift SemiLight SemiConde" panose="020B0502040204020203" pitchFamily="34" charset="0"/>
+              </a:rPr>
+              <a:t>models</a:t>
+            </a:r>
+            <a:r>
+              <a:rPr lang="pl-PL" sz="2400" dirty="0" smtClean="0">
+                <a:solidFill>
+                  <a:schemeClr val="tx2">
+                    <a:lumMod val="50000"/>
+                  </a:schemeClr>
+                </a:solidFill>
+                <a:latin typeface="Bahnschrift SemiLight SemiConde" panose="020B0502040204020203" pitchFamily="34" charset="0"/>
+              </a:rPr>
+              <a:t>)</a:t>
+            </a:r>
+          </a:p>
+          <a:p>
+            <a:pPr marL="457200" indent="-457200">
+              <a:lnSpc>
+                <a:spcPct val="150000"/>
+              </a:lnSpc>
+              <a:buFont typeface="+mj-lt"/>
+              <a:buAutoNum type="arabicPeriod"/>
+            </a:pPr>
+            <a:r>
+              <a:rPr lang="pl-PL" sz="2400" dirty="0" err="1" smtClean="0">
+                <a:latin typeface="Bahnschrift SemiLight SemiConde" panose="020B0502040204020203" pitchFamily="34" charset="0"/>
+              </a:rPr>
+              <a:t>Answer</a:t>
+            </a:r>
+            <a:r>
+              <a:rPr lang="pl-PL" sz="2400" dirty="0" smtClean="0">
+                <a:latin typeface="Bahnschrift SemiLight SemiConde" panose="020B0502040204020203" pitchFamily="34" charset="0"/>
+              </a:rPr>
+              <a:t> the business </a:t>
+            </a:r>
+            <a:r>
+              <a:rPr lang="pl-PL" sz="2400" dirty="0" err="1" smtClean="0">
+                <a:latin typeface="Bahnschrift SemiLight SemiConde" panose="020B0502040204020203" pitchFamily="34" charset="0"/>
+              </a:rPr>
+              <a:t>questions</a:t>
+            </a:r>
+            <a:endParaRPr lang="pl-PL" sz="2400" dirty="0">
+              <a:latin typeface="Bahnschrift SemiLight SemiConde" panose="020B0502040204020203" pitchFamily="34" charset="0"/>
+            </a:endParaRPr>
+          </a:p>
+          <a:p>
+            <a:pPr marL="457200" indent="-457200">
+              <a:lnSpc>
+                <a:spcPct val="150000"/>
+              </a:lnSpc>
+              <a:buFont typeface="+mj-lt"/>
+              <a:buAutoNum type="arabicPeriod"/>
+            </a:pPr>
+            <a:r>
+              <a:rPr lang="pl-PL" sz="2400" dirty="0" smtClean="0">
+                <a:solidFill>
+                  <a:schemeClr val="tx2">
+                    <a:lumMod val="50000"/>
+                  </a:schemeClr>
+                </a:solidFill>
+                <a:latin typeface="Bahnschrift SemiLight SemiConde" panose="020B0502040204020203" pitchFamily="34" charset="0"/>
+              </a:rPr>
+              <a:t>Picture the </a:t>
+            </a:r>
+            <a:r>
+              <a:rPr lang="pl-PL" sz="2400" dirty="0" err="1" smtClean="0">
+                <a:solidFill>
+                  <a:schemeClr val="tx2">
+                    <a:lumMod val="50000"/>
+                  </a:schemeClr>
+                </a:solidFill>
+                <a:latin typeface="Bahnschrift SemiLight SemiConde" panose="020B0502040204020203" pitchFamily="34" charset="0"/>
+              </a:rPr>
+              <a:t>results</a:t>
+            </a:r>
+            <a:r>
+              <a:rPr lang="pl-PL" sz="2400" dirty="0" smtClean="0">
+                <a:solidFill>
+                  <a:schemeClr val="tx2">
+                    <a:lumMod val="50000"/>
+                  </a:schemeClr>
+                </a:solidFill>
+                <a:latin typeface="Bahnschrift SemiLight SemiConde" panose="020B0502040204020203" pitchFamily="34" charset="0"/>
+              </a:rPr>
+              <a:t> and </a:t>
+            </a:r>
+            <a:r>
+              <a:rPr lang="pl-PL" sz="2400" dirty="0" err="1" smtClean="0">
+                <a:solidFill>
+                  <a:schemeClr val="tx2">
+                    <a:lumMod val="50000"/>
+                  </a:schemeClr>
+                </a:solidFill>
+                <a:latin typeface="Bahnschrift SemiLight SemiConde" panose="020B0502040204020203" pitchFamily="34" charset="0"/>
+              </a:rPr>
+              <a:t>conclusions</a:t>
+            </a:r>
+            <a:endParaRPr lang="pl-PL" sz="2400" dirty="0" smtClean="0">
+              <a:solidFill>
+                <a:schemeClr val="tx2">
+                  <a:lumMod val="50000"/>
+                </a:schemeClr>
+              </a:solidFill>
+              <a:latin typeface="Bahnschrift SemiLight SemiConde" panose="020B0502040204020203" pitchFamily="34" charset="0"/>
+            </a:endParaRPr>
+          </a:p>
+          <a:p>
+            <a:pPr marL="457200" indent="-457200">
+              <a:lnSpc>
+                <a:spcPct val="150000"/>
+              </a:lnSpc>
+              <a:buFont typeface="+mj-lt"/>
+              <a:buAutoNum type="arabicPeriod"/>
+            </a:pPr>
+            <a:endParaRPr lang="pl-PL" sz="2400" dirty="0" smtClean="0">
+              <a:latin typeface="Bahnschrift Light" panose="020B0502040204020203" pitchFamily="34" charset="0"/>
+            </a:endParaRPr>
+          </a:p>
+          <a:p>
+            <a:pPr marL="457200" indent="-457200">
+              <a:lnSpc>
+                <a:spcPct val="150000"/>
+              </a:lnSpc>
+              <a:buFont typeface="+mj-lt"/>
+              <a:buAutoNum type="arabicPeriod"/>
+            </a:pPr>
+            <a:endParaRPr lang="pl-PL" sz="2400" dirty="0" smtClean="0">
+              <a:latin typeface="Bahnschrift Light" panose="020B0502040204020203" pitchFamily="34" charset="0"/>
+            </a:endParaRPr>
+          </a:p>
+          <a:p>
+            <a:pPr marL="457200" indent="-457200">
+              <a:lnSpc>
+                <a:spcPct val="150000"/>
+              </a:lnSpc>
+              <a:buFont typeface="+mj-lt"/>
+              <a:buAutoNum type="arabicPeriod"/>
+            </a:pPr>
+            <a:endParaRPr lang="en-GB" sz="2400" dirty="0">
+              <a:latin typeface="Bahnschrift Light" panose="020B0502040204020203" pitchFamily="34" charset="0"/>
+            </a:endParaRPr>
+          </a:p>
+        </p:txBody>
+      </p:sp>
+    </p:spTree>
+    <p:extLst>
+      <p:ext uri="{BB962C8B-B14F-4D97-AF65-F5344CB8AC3E}">
+        <p14:creationId xmlns:p14="http://schemas.microsoft.com/office/powerpoint/2010/main" val="4253248401"/>
+      </p:ext>
+    </p:extLst>
+  </p:cSld>
+  <p:clrMapOvr>
+    <a:masterClrMapping/>
+  </p:clrMapOvr>
+</p:sld>
+</file>
+
+<file path=ppt/slides/slide5.xml><?xml version="1.0" encoding="utf-8"?>
+<p:sld xmlns:a="http://schemas.openxmlformats.org/drawingml/2006/main" xmlns:r="http://schemas.openxmlformats.org/officeDocument/2006/relationships" xmlns:p="http://schemas.openxmlformats.org/presentationml/2006/main">
+  <p:cSld>
+    <p:spTree>
+      <p:nvGrpSpPr>
+        <p:cNvPr id="1" name=""/>
+        <p:cNvGrpSpPr/>
+        <p:nvPr/>
+      </p:nvGrpSpPr>
+      <p:grpSpPr>
+        <a:xfrm>
+          <a:off x="0" y="0"/>
+          <a:ext cx="0" cy="0"/>
+          <a:chOff x="0" y="0"/>
+          <a:chExt cx="0" cy="0"/>
+        </a:xfrm>
+      </p:grpSpPr>
+      <p:pic>
+        <p:nvPicPr>
+          <p:cNvPr id="5" name="Picture 2"/>
+          <p:cNvPicPr>
+            <a:picLocks noChangeAspect="1" noChangeArrowheads="1"/>
+          </p:cNvPicPr>
+          <p:nvPr/>
+        </p:nvPicPr>
+        <p:blipFill>
+          <a:blip r:embed="rId2">
+            <a:lum bright="70000" contrast="-70000"/>
+            <a:extLst>
+              <a:ext uri="{28A0092B-C50C-407E-A947-70E740481C1C}">
+                <a14:useLocalDpi xmlns:a14="http://schemas.microsoft.com/office/drawing/2010/main" val="0"/>
+              </a:ext>
+            </a:extLst>
+          </a:blip>
+          <a:srcRect/>
+          <a:stretch>
+            <a:fillRect/>
+          </a:stretch>
+        </p:blipFill>
+        <p:spPr bwMode="auto">
+          <a:xfrm>
+            <a:off x="-612576" y="-8632"/>
+            <a:ext cx="10557048" cy="7038032"/>
+          </a:xfrm>
+          <a:prstGeom prst="rect">
+            <a:avLst/>
+          </a:prstGeom>
+          <a:noFill/>
+          <a:ln>
+            <a:noFill/>
+          </a:ln>
+          <a:effectLst/>
+          <a:extLst>
+            <a:ext uri="{909E8E84-426E-40DD-AFC4-6F175D3DCCD1}">
+              <a14:hiddenFill xmlns:a14="http://schemas.microsoft.com/office/drawing/2010/main">
+                <a:solidFill>
+                  <a:schemeClr val="accent1"/>
+                </a:solidFill>
+              </a14:hiddenFill>
+            </a:ext>
+            <a:ext uri="{91240B29-F687-4F45-9708-019B960494DF}">
+              <a14:hiddenLine xmlns:a14="http://schemas.microsoft.com/office/drawing/2010/main" w="9525">
+                <a:solidFill>
+                  <a:schemeClr val="tx1"/>
+                </a:solidFill>
+                <a:miter lim="800000"/>
+                <a:headEnd/>
+                <a:tailEnd/>
+              </a14:hiddenLine>
+            </a:ext>
+            <a:ext uri="{AF507438-7753-43E0-B8FC-AC1667EBCBE1}">
+              <a14:hiddenEffects xmlns:a14="http://schemas.microsoft.com/office/drawing/2010/main">
+                <a:effectLst>
+                  <a:outerShdw dist="35921" dir="2700000" algn="ctr" rotWithShape="0">
+                    <a:schemeClr val="bg2"/>
+                  </a:outerShdw>
+                </a:effectLst>
+              </a14:hiddenEffects>
+            </a:ext>
+          </a:extLst>
+        </p:spPr>
+      </p:pic>
+      <p:pic>
+        <p:nvPicPr>
+          <p:cNvPr id="1026" name="Picture 2"/>
+          <p:cNvPicPr>
+            <a:picLocks noChangeAspect="1" noChangeArrowheads="1"/>
+          </p:cNvPicPr>
+          <p:nvPr/>
+        </p:nvPicPr>
+        <p:blipFill>
+          <a:blip r:embed="rId3">
+            <a:extLst>
+              <a:ext uri="{28A0092B-C50C-407E-A947-70E740481C1C}">
+                <a14:useLocalDpi xmlns:a14="http://schemas.microsoft.com/office/drawing/2010/main" val="0"/>
+              </a:ext>
+            </a:extLst>
+          </a:blip>
+          <a:srcRect/>
+          <a:stretch>
+            <a:fillRect/>
+          </a:stretch>
+        </p:blipFill>
+        <p:spPr bwMode="auto">
+          <a:xfrm>
+            <a:off x="244280" y="543028"/>
+            <a:ext cx="4421668" cy="6162930"/>
+          </a:xfrm>
+          <a:prstGeom prst="rect">
+            <a:avLst/>
+          </a:prstGeom>
+          <a:noFill/>
+          <a:ln>
+            <a:noFill/>
+          </a:ln>
+          <a:effectLst/>
+          <a:extLst>
+            <a:ext uri="{909E8E84-426E-40DD-AFC4-6F175D3DCCD1}">
+              <a14:hiddenFill xmlns:a14="http://schemas.microsoft.com/office/drawing/2010/main">
+                <a:solidFill>
+                  <a:schemeClr val="accent1"/>
+                </a:solidFill>
+              </a14:hiddenFill>
+            </a:ext>
+            <a:ext uri="{91240B29-F687-4F45-9708-019B960494DF}">
+              <a14:hiddenLine xmlns:a14="http://schemas.microsoft.com/office/drawing/2010/main" w="9525">
+                <a:solidFill>
+                  <a:schemeClr val="tx1"/>
+                </a:solidFill>
+                <a:miter lim="800000"/>
+                <a:headEnd/>
+                <a:tailEnd/>
+              </a14:hiddenLine>
+            </a:ext>
+            <a:ext uri="{AF507438-7753-43E0-B8FC-AC1667EBCBE1}">
+              <a14:hiddenEffects xmlns:a14="http://schemas.microsoft.com/office/drawing/2010/main">
+                <a:effectLst>
+                  <a:outerShdw dist="35921" dir="2700000" algn="ctr" rotWithShape="0">
+                    <a:schemeClr val="bg2"/>
+                  </a:outerShdw>
+                </a:effectLst>
+              </a14:hiddenEffects>
+            </a:ext>
+          </a:extLst>
+        </p:spPr>
+      </p:pic>
+      <p:sp>
+        <p:nvSpPr>
+          <p:cNvPr id="2" name="pole tekstowe 1"/>
+          <p:cNvSpPr txBox="1"/>
+          <p:nvPr/>
+        </p:nvSpPr>
+        <p:spPr>
+          <a:xfrm>
+            <a:off x="4952256" y="1556792"/>
+            <a:ext cx="4089548" cy="4801314"/>
+          </a:xfrm>
+          <a:prstGeom prst="rect">
+            <a:avLst/>
+          </a:prstGeom>
+          <a:noFill/>
+        </p:spPr>
+        <p:txBody>
+          <a:bodyPr wrap="square" rtlCol="0">
+            <a:spAutoFit/>
+          </a:bodyPr>
+          <a:lstStyle/>
+          <a:p>
+            <a:r>
+              <a:rPr lang="pl-PL" sz="2400" dirty="0" smtClean="0">
+                <a:latin typeface="Bahnschrift SemiLight SemiConde" panose="020B0502040204020203" pitchFamily="34" charset="0"/>
+              </a:rPr>
+              <a:t>Data </a:t>
+            </a:r>
+            <a:r>
+              <a:rPr lang="pl-PL" sz="2400" dirty="0" err="1" smtClean="0">
+                <a:latin typeface="Bahnschrift SemiLight SemiConde" panose="020B0502040204020203" pitchFamily="34" charset="0"/>
+              </a:rPr>
+              <a:t>source</a:t>
+            </a:r>
+            <a:r>
+              <a:rPr lang="pl-PL" sz="2400" dirty="0" smtClean="0">
+                <a:latin typeface="Bahnschrift SemiLight SemiConde" panose="020B0502040204020203" pitchFamily="34" charset="0"/>
+              </a:rPr>
+              <a:t>: MySQL </a:t>
+            </a:r>
+            <a:r>
+              <a:rPr lang="pl-PL" sz="2400" dirty="0" err="1" smtClean="0">
+                <a:latin typeface="Bahnschrift SemiLight SemiConde" panose="020B0502040204020203" pitchFamily="34" charset="0"/>
+              </a:rPr>
+              <a:t>database</a:t>
+            </a:r>
+            <a:r>
+              <a:rPr lang="pl-PL" sz="2400" dirty="0" smtClean="0">
+                <a:latin typeface="Bahnschrift SemiLight SemiConde" panose="020B0502040204020203" pitchFamily="34" charset="0"/>
+              </a:rPr>
+              <a:t>, </a:t>
+            </a:r>
+          </a:p>
+          <a:p>
+            <a:r>
+              <a:rPr lang="pl-PL" sz="2400" dirty="0" err="1" smtClean="0">
+                <a:latin typeface="Bahnschrift SemiLight SemiConde" panose="020B0502040204020203" pitchFamily="34" charset="0"/>
+              </a:rPr>
+              <a:t>Credit</a:t>
+            </a:r>
+            <a:r>
+              <a:rPr lang="pl-PL" sz="2400" dirty="0" smtClean="0">
+                <a:latin typeface="Bahnschrift SemiLight SemiConde" panose="020B0502040204020203" pitchFamily="34" charset="0"/>
+              </a:rPr>
+              <a:t> One </a:t>
+            </a:r>
+            <a:r>
+              <a:rPr lang="pl-PL" sz="2400" dirty="0" err="1" smtClean="0">
+                <a:latin typeface="Bahnschrift SemiLight SemiConde" panose="020B0502040204020203" pitchFamily="34" charset="0"/>
+              </a:rPr>
+              <a:t>company</a:t>
+            </a:r>
+            <a:endParaRPr lang="pl-PL" sz="2400" dirty="0" smtClean="0">
+              <a:latin typeface="Bahnschrift SemiLight SemiConde" panose="020B0502040204020203" pitchFamily="34" charset="0"/>
+            </a:endParaRPr>
+          </a:p>
+          <a:p>
+            <a:endParaRPr lang="pl-PL" sz="2400" dirty="0">
+              <a:latin typeface="Bahnschrift SemiLight SemiConde" panose="020B0502040204020203" pitchFamily="34" charset="0"/>
+            </a:endParaRPr>
+          </a:p>
+          <a:p>
+            <a:r>
+              <a:rPr lang="pl-PL" sz="2400" dirty="0">
+                <a:latin typeface="Bahnschrift SemiLight SemiConde" panose="020B0502040204020203" pitchFamily="34" charset="0"/>
+              </a:rPr>
+              <a:t>Data </a:t>
+            </a:r>
+            <a:r>
+              <a:rPr lang="pl-PL" sz="2400" dirty="0" err="1">
+                <a:latin typeface="Bahnschrift SemiLight SemiConde" panose="020B0502040204020203" pitchFamily="34" charset="0"/>
+              </a:rPr>
+              <a:t>saved</a:t>
+            </a:r>
+            <a:r>
+              <a:rPr lang="pl-PL" sz="2400" dirty="0">
+                <a:latin typeface="Bahnschrift SemiLight SemiConde" panose="020B0502040204020203" pitchFamily="34" charset="0"/>
+              </a:rPr>
+              <a:t> </a:t>
+            </a:r>
+            <a:r>
+              <a:rPr lang="pl-PL" sz="2400" dirty="0" err="1">
+                <a:latin typeface="Bahnschrift SemiLight SemiConde" panose="020B0502040204020203" pitchFamily="34" charset="0"/>
+              </a:rPr>
+              <a:t>locally</a:t>
+            </a:r>
+            <a:r>
+              <a:rPr lang="pl-PL" sz="2400" dirty="0">
+                <a:latin typeface="Bahnschrift SemiLight SemiConde" panose="020B0502040204020203" pitchFamily="34" charset="0"/>
+              </a:rPr>
+              <a:t> as CVS </a:t>
+            </a:r>
+            <a:r>
+              <a:rPr lang="pl-PL" sz="2400" dirty="0" smtClean="0">
+                <a:latin typeface="Bahnschrift SemiLight SemiConde" panose="020B0502040204020203" pitchFamily="34" charset="0"/>
+              </a:rPr>
+              <a:t>file</a:t>
+            </a:r>
+            <a:endParaRPr lang="pl-PL" sz="2400" dirty="0" smtClean="0">
+              <a:latin typeface="Bahnschrift SemiLight SemiConde" panose="020B0502040204020203" pitchFamily="34" charset="0"/>
+            </a:endParaRPr>
+          </a:p>
+          <a:p>
+            <a:endParaRPr lang="pl-PL" sz="2400" dirty="0">
+              <a:latin typeface="Bahnschrift SemiLight SemiConde" panose="020B0502040204020203" pitchFamily="34" charset="0"/>
+            </a:endParaRPr>
+          </a:p>
+          <a:p>
+            <a:r>
+              <a:rPr lang="pl-PL" sz="2400" dirty="0" smtClean="0">
+                <a:latin typeface="Bahnschrift SemiLight SemiConde" panose="020B0502040204020203" pitchFamily="34" charset="0"/>
+              </a:rPr>
+              <a:t>Data </a:t>
+            </a:r>
+            <a:r>
+              <a:rPr lang="pl-PL" sz="2400" dirty="0" err="1" smtClean="0">
+                <a:latin typeface="Bahnschrift SemiLight SemiConde" panose="020B0502040204020203" pitchFamily="34" charset="0"/>
+              </a:rPr>
+              <a:t>specification</a:t>
+            </a:r>
+            <a:r>
+              <a:rPr lang="pl-PL" sz="2400" dirty="0" smtClean="0">
+                <a:latin typeface="Bahnschrift SemiLight SemiConde" panose="020B0502040204020203" pitchFamily="34" charset="0"/>
+              </a:rPr>
+              <a:t>:</a:t>
+            </a:r>
+          </a:p>
+          <a:p>
+            <a:pPr marL="342900" indent="-342900">
+              <a:buFont typeface="Arial" panose="020B0604020202020204" pitchFamily="34" charset="0"/>
+              <a:buChar char="•"/>
+            </a:pPr>
+            <a:r>
+              <a:rPr lang="pl-PL" sz="2400" dirty="0" smtClean="0">
+                <a:latin typeface="Bahnschrift SemiLight SemiConde" panose="020B0502040204020203" pitchFamily="34" charset="0"/>
+              </a:rPr>
+              <a:t>25 </a:t>
+            </a:r>
+            <a:r>
+              <a:rPr lang="pl-PL" sz="2400" dirty="0" err="1" smtClean="0">
+                <a:latin typeface="Bahnschrift SemiLight SemiConde" panose="020B0502040204020203" pitchFamily="34" charset="0"/>
+              </a:rPr>
+              <a:t>columns</a:t>
+            </a:r>
+            <a:endParaRPr lang="pl-PL" sz="2400" dirty="0" smtClean="0">
+              <a:latin typeface="Bahnschrift SemiLight SemiConde" panose="020B0502040204020203" pitchFamily="34" charset="0"/>
+            </a:endParaRPr>
+          </a:p>
+          <a:p>
+            <a:pPr marL="342900" indent="-342900">
+              <a:buFont typeface="Arial" panose="020B0604020202020204" pitchFamily="34" charset="0"/>
+              <a:buChar char="•"/>
+            </a:pPr>
+            <a:r>
+              <a:rPr lang="en-GB" sz="2400" dirty="0">
+                <a:latin typeface="Bahnschrift SemiLight SemiConde" panose="020B0502040204020203" pitchFamily="34" charset="0"/>
+              </a:rPr>
+              <a:t>29965 </a:t>
+            </a:r>
+            <a:r>
+              <a:rPr lang="pl-PL" sz="2400" dirty="0" err="1" smtClean="0">
+                <a:latin typeface="Bahnschrift SemiLight SemiConde" panose="020B0502040204020203" pitchFamily="34" charset="0"/>
+              </a:rPr>
+              <a:t>entries</a:t>
+            </a:r>
+            <a:endParaRPr lang="pl-PL" sz="2400" dirty="0" smtClean="0">
+              <a:latin typeface="Bahnschrift SemiLight SemiConde" panose="020B0502040204020203" pitchFamily="34" charset="0"/>
+            </a:endParaRPr>
+          </a:p>
+          <a:p>
+            <a:pPr marL="342900" indent="-342900">
+              <a:buFont typeface="Arial" panose="020B0604020202020204" pitchFamily="34" charset="0"/>
+              <a:buChar char="•"/>
+            </a:pPr>
+            <a:endParaRPr lang="pl-PL" sz="2400" dirty="0">
+              <a:latin typeface="Bahnschrift SemiLight SemiConde" panose="020B0502040204020203" pitchFamily="34" charset="0"/>
+            </a:endParaRPr>
+          </a:p>
+          <a:p>
+            <a:r>
+              <a:rPr lang="pl-PL" sz="2400" dirty="0" smtClean="0">
+                <a:latin typeface="Bahnschrift SemiLight SemiConde" panose="020B0502040204020203" pitchFamily="34" charset="0"/>
+              </a:rPr>
+              <a:t>Data </a:t>
+            </a:r>
+            <a:r>
+              <a:rPr lang="pl-PL" sz="2400" dirty="0" err="1" smtClean="0">
+                <a:latin typeface="Bahnschrift SemiLight SemiConde" panose="020B0502040204020203" pitchFamily="34" charset="0"/>
+              </a:rPr>
+              <a:t>analysis</a:t>
+            </a:r>
+            <a:r>
+              <a:rPr lang="pl-PL" sz="2400" dirty="0" smtClean="0">
+                <a:latin typeface="Bahnschrift SemiLight SemiConde" panose="020B0502040204020203" pitchFamily="34" charset="0"/>
+              </a:rPr>
+              <a:t>:</a:t>
+            </a:r>
+          </a:p>
+          <a:p>
+            <a:pPr marL="342900" indent="-342900">
+              <a:buFont typeface="Arial" panose="020B0604020202020204" pitchFamily="34" charset="0"/>
+              <a:buChar char="•"/>
+            </a:pPr>
+            <a:r>
+              <a:rPr lang="pl-PL" sz="2400" dirty="0" err="1" smtClean="0">
+                <a:latin typeface="Bahnschrift SemiLight SemiConde" panose="020B0502040204020203" pitchFamily="34" charset="0"/>
+              </a:rPr>
+              <a:t>Jupyter</a:t>
+            </a:r>
+            <a:r>
+              <a:rPr lang="pl-PL" sz="2400" dirty="0" smtClean="0">
+                <a:latin typeface="Bahnschrift SemiLight SemiConde" panose="020B0502040204020203" pitchFamily="34" charset="0"/>
+              </a:rPr>
+              <a:t> notebook with </a:t>
+            </a:r>
+            <a:r>
+              <a:rPr lang="pl-PL" sz="2400" dirty="0" err="1" smtClean="0">
+                <a:latin typeface="Bahnschrift SemiLight SemiConde" panose="020B0502040204020203" pitchFamily="34" charset="0"/>
+              </a:rPr>
+              <a:t>python</a:t>
+            </a:r>
+            <a:endParaRPr lang="pl-PL" sz="2400" dirty="0" smtClean="0">
+              <a:latin typeface="Bahnschrift SemiLight SemiConde" panose="020B0502040204020203" pitchFamily="34" charset="0"/>
+            </a:endParaRPr>
+          </a:p>
+          <a:p>
+            <a:endParaRPr lang="pl-PL" sz="600" dirty="0" smtClean="0">
+              <a:latin typeface="Bahnschrift SemiLight SemiConde" panose="020B0502040204020203" pitchFamily="34" charset="0"/>
+            </a:endParaRPr>
+          </a:p>
+          <a:p>
+            <a:r>
+              <a:rPr lang="pl-PL" dirty="0" smtClean="0">
+                <a:latin typeface="Bahnschrift SemiLight SemiConde" panose="020B0502040204020203" pitchFamily="34" charset="0"/>
+              </a:rPr>
+              <a:t>(</a:t>
+            </a:r>
+            <a:r>
+              <a:rPr lang="pl-PL" dirty="0" err="1" smtClean="0">
+                <a:latin typeface="Bahnschrift SemiLight SemiConde" panose="020B0502040204020203" pitchFamily="34" charset="0"/>
+              </a:rPr>
+              <a:t>matplotlib</a:t>
+            </a:r>
+            <a:r>
+              <a:rPr lang="pl-PL" dirty="0" smtClean="0">
+                <a:latin typeface="Bahnschrift SemiLight SemiConde" panose="020B0502040204020203" pitchFamily="34" charset="0"/>
+              </a:rPr>
+              <a:t>, </a:t>
+            </a:r>
+            <a:r>
+              <a:rPr lang="pl-PL" dirty="0" err="1">
+                <a:latin typeface="Bahnschrift SemiLight SemiConde" panose="020B0502040204020203" pitchFamily="34" charset="0"/>
+              </a:rPr>
+              <a:t>n</a:t>
+            </a:r>
+            <a:r>
+              <a:rPr lang="pl-PL" dirty="0" err="1" smtClean="0">
+                <a:latin typeface="Bahnschrift SemiLight SemiConde" panose="020B0502040204020203" pitchFamily="34" charset="0"/>
+              </a:rPr>
+              <a:t>umpy</a:t>
+            </a:r>
+            <a:r>
+              <a:rPr lang="pl-PL" dirty="0" smtClean="0">
+                <a:latin typeface="Bahnschrift SemiLight SemiConde" panose="020B0502040204020203" pitchFamily="34" charset="0"/>
+              </a:rPr>
+              <a:t>, </a:t>
+            </a:r>
+            <a:r>
+              <a:rPr lang="pl-PL" dirty="0" err="1" smtClean="0">
+                <a:latin typeface="Bahnschrift SemiLight SemiConde" panose="020B0502040204020203" pitchFamily="34" charset="0"/>
+              </a:rPr>
+              <a:t>pandas</a:t>
+            </a:r>
+            <a:r>
+              <a:rPr lang="pl-PL" dirty="0" smtClean="0">
+                <a:latin typeface="Bahnschrift SemiLight SemiConde" panose="020B0502040204020203" pitchFamily="34" charset="0"/>
+              </a:rPr>
+              <a:t>, </a:t>
+            </a:r>
+            <a:r>
+              <a:rPr lang="pl-PL" dirty="0" err="1" smtClean="0">
+                <a:latin typeface="Bahnschrift SemiLight SemiConde" panose="020B0502040204020203" pitchFamily="34" charset="0"/>
+              </a:rPr>
+              <a:t>seaborn</a:t>
+            </a:r>
+            <a:r>
+              <a:rPr lang="pl-PL" dirty="0" smtClean="0">
+                <a:latin typeface="Bahnschrift SemiLight SemiConde" panose="020B0502040204020203" pitchFamily="34" charset="0"/>
+              </a:rPr>
+              <a:t> </a:t>
+            </a:r>
+            <a:r>
+              <a:rPr lang="pl-PL" dirty="0" err="1" smtClean="0">
+                <a:latin typeface="Bahnschrift SemiLight SemiConde" panose="020B0502040204020203" pitchFamily="34" charset="0"/>
+              </a:rPr>
+              <a:t>libraries</a:t>
+            </a:r>
+            <a:r>
+              <a:rPr lang="pl-PL" dirty="0" smtClean="0">
+                <a:latin typeface="Bahnschrift SemiLight SemiConde" panose="020B0502040204020203" pitchFamily="34" charset="0"/>
+              </a:rPr>
+              <a:t> </a:t>
+            </a:r>
+            <a:r>
+              <a:rPr lang="pl-PL" dirty="0" err="1" smtClean="0">
+                <a:latin typeface="Bahnschrift SemiLight SemiConde" panose="020B0502040204020203" pitchFamily="34" charset="0"/>
+              </a:rPr>
+              <a:t>used</a:t>
+            </a:r>
+            <a:r>
+              <a:rPr lang="pl-PL" dirty="0" smtClean="0">
+                <a:latin typeface="Bahnschrift SemiLight SemiConde" panose="020B0502040204020203" pitchFamily="34" charset="0"/>
+              </a:rPr>
+              <a:t>)</a:t>
+            </a:r>
+          </a:p>
+        </p:txBody>
+      </p:sp>
+      <p:sp>
+        <p:nvSpPr>
+          <p:cNvPr id="4" name="pole tekstowe 3"/>
+          <p:cNvSpPr txBox="1"/>
+          <p:nvPr/>
+        </p:nvSpPr>
+        <p:spPr>
+          <a:xfrm>
+            <a:off x="2411760" y="404664"/>
+            <a:ext cx="6480720" cy="769441"/>
+          </a:xfrm>
+          <a:prstGeom prst="rect">
+            <a:avLst/>
+          </a:prstGeom>
+          <a:noFill/>
+        </p:spPr>
+        <p:txBody>
+          <a:bodyPr wrap="square" rtlCol="0">
+            <a:spAutoFit/>
+          </a:bodyPr>
+          <a:lstStyle/>
+          <a:p>
+            <a:pPr algn="r"/>
+            <a:r>
+              <a:rPr lang="pl-PL" sz="4400" dirty="0">
+                <a:latin typeface="Bahnschrift SemiBold" panose="020B0502040204020203" pitchFamily="34" charset="0"/>
+              </a:rPr>
+              <a:t>Data Collection</a:t>
+            </a:r>
+          </a:p>
+        </p:txBody>
+      </p:sp>
+    </p:spTree>
+    <p:extLst>
+      <p:ext uri="{BB962C8B-B14F-4D97-AF65-F5344CB8AC3E}">
+        <p14:creationId xmlns:p14="http://schemas.microsoft.com/office/powerpoint/2010/main" val="4253248401"/>
+      </p:ext>
+    </p:extLst>
+  </p:cSld>
+  <p:clrMapOvr>
+    <a:masterClrMapping/>
+  </p:clrMapOvr>
+</p:sld>
+</file>
+
+<file path=ppt/slides/slide6.xml><?xml version="1.0" encoding="utf-8"?>
+<p:sld xmlns:a="http://schemas.openxmlformats.org/drawingml/2006/main" xmlns:r="http://schemas.openxmlformats.org/officeDocument/2006/relationships" xmlns:p="http://schemas.openxmlformats.org/presentationml/2006/main">
+  <p:cSld>
+    <p:spTree>
+      <p:nvGrpSpPr>
+        <p:cNvPr id="1" name=""/>
+        <p:cNvGrpSpPr/>
+        <p:nvPr/>
+      </p:nvGrpSpPr>
+      <p:grpSpPr>
+        <a:xfrm>
+          <a:off x="0" y="0"/>
+          <a:ext cx="0" cy="0"/>
+          <a:chOff x="0" y="0"/>
+          <a:chExt cx="0" cy="0"/>
+        </a:xfrm>
+      </p:grpSpPr>
+      <p:sp>
+        <p:nvSpPr>
+          <p:cNvPr id="4" name="pole tekstowe 3"/>
+          <p:cNvSpPr txBox="1"/>
+          <p:nvPr/>
+        </p:nvSpPr>
+        <p:spPr>
+          <a:xfrm>
+            <a:off x="2411760" y="404664"/>
+            <a:ext cx="6480720" cy="769441"/>
+          </a:xfrm>
+          <a:prstGeom prst="rect">
+            <a:avLst/>
+          </a:prstGeom>
+          <a:noFill/>
+        </p:spPr>
+        <p:txBody>
+          <a:bodyPr wrap="square" rtlCol="0">
+            <a:spAutoFit/>
+          </a:bodyPr>
+          <a:lstStyle/>
+          <a:p>
+            <a:pPr algn="r"/>
+            <a:r>
+              <a:rPr lang="pl-PL" sz="4400" dirty="0" err="1" smtClean="0">
+                <a:latin typeface="Bahnschrift SemiBold" panose="020B0502040204020203" pitchFamily="34" charset="0"/>
+              </a:rPr>
+              <a:t>Detailed</a:t>
+            </a:r>
+            <a:r>
+              <a:rPr lang="pl-PL" sz="4400" dirty="0" smtClean="0">
+                <a:latin typeface="Bahnschrift SemiBold" panose="020B0502040204020203" pitchFamily="34" charset="0"/>
+              </a:rPr>
+              <a:t> </a:t>
+            </a:r>
+            <a:r>
+              <a:rPr lang="pl-PL" sz="4400" dirty="0" err="1" smtClean="0">
+                <a:latin typeface="Bahnschrift SemiBold" panose="020B0502040204020203" pitchFamily="34" charset="0"/>
+              </a:rPr>
+              <a:t>process</a:t>
+            </a:r>
+            <a:endParaRPr lang="en-GB" sz="4400" dirty="0">
+              <a:latin typeface="Bahnschrift SemiBold" panose="020B0502040204020203" pitchFamily="34" charset="0"/>
+            </a:endParaRPr>
+          </a:p>
+        </p:txBody>
+      </p:sp>
+      <p:pic>
+        <p:nvPicPr>
+          <p:cNvPr id="2051" name="Picture 3"/>
+          <p:cNvPicPr>
+            <a:picLocks noChangeAspect="1" noChangeArrowheads="1"/>
+          </p:cNvPicPr>
+          <p:nvPr/>
+        </p:nvPicPr>
+        <p:blipFill>
+          <a:blip r:embed="rId2">
+            <a:extLst>
+              <a:ext uri="{28A0092B-C50C-407E-A947-70E740481C1C}">
+                <a14:useLocalDpi xmlns:a14="http://schemas.microsoft.com/office/drawing/2010/main" val="0"/>
+              </a:ext>
+            </a:extLst>
+          </a:blip>
+          <a:srcRect/>
+          <a:stretch>
+            <a:fillRect/>
+          </a:stretch>
+        </p:blipFill>
+        <p:spPr bwMode="auto">
+          <a:xfrm>
+            <a:off x="395536" y="2060848"/>
+            <a:ext cx="8259748" cy="3409478"/>
+          </a:xfrm>
+          <a:prstGeom prst="rect">
+            <a:avLst/>
+          </a:prstGeom>
+          <a:noFill/>
+          <a:ln>
+            <a:noFill/>
+          </a:ln>
+          <a:effectLst/>
+          <a:extLst>
+            <a:ext uri="{909E8E84-426E-40DD-AFC4-6F175D3DCCD1}">
+              <a14:hiddenFill xmlns:a14="http://schemas.microsoft.com/office/drawing/2010/main">
+                <a:solidFill>
+                  <a:schemeClr val="accent1"/>
+                </a:solidFill>
+              </a14:hiddenFill>
+            </a:ext>
+            <a:ext uri="{91240B29-F687-4F45-9708-019B960494DF}">
+              <a14:hiddenLine xmlns:a14="http://schemas.microsoft.com/office/drawing/2010/main" w="9525">
+                <a:solidFill>
+                  <a:schemeClr val="tx1"/>
+                </a:solidFill>
+                <a:miter lim="800000"/>
+                <a:headEnd/>
+                <a:tailEnd/>
+              </a14:hiddenLine>
+            </a:ext>
+            <a:ext uri="{AF507438-7753-43E0-B8FC-AC1667EBCBE1}">
+              <a14:hiddenEffects xmlns:a14="http://schemas.microsoft.com/office/drawing/2010/main">
+                <a:effectLst>
+                  <a:outerShdw dist="35921" dir="2700000" algn="ctr" rotWithShape="0">
+                    <a:schemeClr val="bg2"/>
+                  </a:outerShdw>
+                </a:effectLst>
+              </a14:hiddenEffects>
+            </a:ext>
+          </a:extLst>
+        </p:spPr>
+      </p:pic>
+    </p:spTree>
+    <p:extLst>
+      <p:ext uri="{BB962C8B-B14F-4D97-AF65-F5344CB8AC3E}">
+        <p14:creationId xmlns:p14="http://schemas.microsoft.com/office/powerpoint/2010/main" val="4253248401"/>
       </p:ext>
     </p:extLst>
   </p:cSld>
